--- a/中間発表資料.pptx
+++ b/中間発表資料.pptx
@@ -127,7 +127,7 @@
 <file path=ppt/revisionInfo.xml><?xml version="1.0" encoding="utf-8"?>
 <p1510:revInfo xmlns:a="http://schemas.openxmlformats.org/drawingml/2006/main" xmlns:r="http://schemas.openxmlformats.org/officeDocument/2006/relationships" xmlns:p1510="http://schemas.microsoft.com/office/powerpoint/2015/10/main">
   <p1510:revLst>
-    <p1510:client id="{00137E74-1865-714F-B078-62404D3980FC}" v="653" dt="2024-06-18T17:25:55.267"/>
+    <p1510:client id="{00137E74-1865-714F-B078-62404D3980FC}" v="652" dt="2024-06-18T17:20:39.281"/>
     <p1510:client id="{0235CB2B-9489-4B2E-ADDE-422A01DD1DF5}" v="173" dt="2024-06-18T15:54:10.003"/>
     <p1510:client id="{1809374F-0C30-2442-9441-D793C67D5720}" v="357" dt="2024-06-18T00:52:26.578"/>
   </p1510:revLst>
@@ -4680,7 +4680,7 @@
             <a:fld id="{96DFF08F-DC6B-4601-B491-B0F83F6DD2DA}" type="datetimeFigureOut">
               <a:rPr lang="en-US" smtClean="0"/>
               <a:pPr/>
-              <a:t>6/19/24</a:t>
+              <a:t>6/18/24</a:t>
             </a:fld>
             <a:endParaRPr lang="en-US"/>
           </a:p>
@@ -4878,7 +4878,7 @@
             <a:fld id="{96DFF08F-DC6B-4601-B491-B0F83F6DD2DA}" type="datetimeFigureOut">
               <a:rPr lang="en-US" smtClean="0"/>
               <a:pPr/>
-              <a:t>6/19/24</a:t>
+              <a:t>6/18/24</a:t>
             </a:fld>
             <a:endParaRPr lang="en-US"/>
           </a:p>
@@ -5143,7 +5143,7 @@
             <a:fld id="{96DFF08F-DC6B-4601-B491-B0F83F6DD2DA}" type="datetimeFigureOut">
               <a:rPr lang="en-US" smtClean="0"/>
               <a:pPr/>
-              <a:t>6/19/24</a:t>
+              <a:t>6/18/24</a:t>
             </a:fld>
             <a:endParaRPr lang="en-US"/>
           </a:p>
@@ -5579,7 +5579,7 @@
             <a:fld id="{96DFF08F-DC6B-4601-B491-B0F83F6DD2DA}" type="datetimeFigureOut">
               <a:rPr lang="en-US" smtClean="0"/>
               <a:pPr/>
-              <a:t>6/19/24</a:t>
+              <a:t>6/18/24</a:t>
             </a:fld>
             <a:endParaRPr lang="en-US"/>
           </a:p>
@@ -6127,7 +6127,7 @@
             <a:fld id="{96DFF08F-DC6B-4601-B491-B0F83F6DD2DA}" type="datetimeFigureOut">
               <a:rPr lang="en-US" smtClean="0"/>
               <a:pPr/>
-              <a:t>6/19/24</a:t>
+              <a:t>6/18/24</a:t>
             </a:fld>
             <a:endParaRPr lang="en-US"/>
           </a:p>
@@ -6849,7 +6849,7 @@
             <a:fld id="{96DFF08F-DC6B-4601-B491-B0F83F6DD2DA}" type="datetimeFigureOut">
               <a:rPr lang="en-US" smtClean="0"/>
               <a:pPr/>
-              <a:t>6/19/24</a:t>
+              <a:t>6/18/24</a:t>
             </a:fld>
             <a:endParaRPr lang="en-US"/>
           </a:p>
@@ -7053,7 +7053,7 @@
             <a:fld id="{96DFF08F-DC6B-4601-B491-B0F83F6DD2DA}" type="datetimeFigureOut">
               <a:rPr lang="en-US" smtClean="0"/>
               <a:pPr/>
-              <a:t>6/19/24</a:t>
+              <a:t>6/18/24</a:t>
             </a:fld>
             <a:endParaRPr lang="en-US"/>
           </a:p>
@@ -7267,7 +7267,7 @@
             <a:fld id="{96DFF08F-DC6B-4601-B491-B0F83F6DD2DA}" type="datetimeFigureOut">
               <a:rPr lang="en-US" smtClean="0"/>
               <a:pPr/>
-              <a:t>6/19/24</a:t>
+              <a:t>6/18/24</a:t>
             </a:fld>
             <a:endParaRPr lang="en-US"/>
           </a:p>
@@ -7471,7 +7471,7 @@
             <a:fld id="{96DFF08F-DC6B-4601-B491-B0F83F6DD2DA}" type="datetimeFigureOut">
               <a:rPr lang="en-US" smtClean="0"/>
               <a:pPr/>
-              <a:t>6/19/24</a:t>
+              <a:t>6/18/24</a:t>
             </a:fld>
             <a:endParaRPr lang="en-US"/>
           </a:p>
@@ -7723,7 +7723,7 @@
             <a:fld id="{96DFF08F-DC6B-4601-B491-B0F83F6DD2DA}" type="datetimeFigureOut">
               <a:rPr lang="en-US" smtClean="0"/>
               <a:pPr/>
-              <a:t>6/19/24</a:t>
+              <a:t>6/18/24</a:t>
             </a:fld>
             <a:endParaRPr lang="en-US"/>
           </a:p>
@@ -8021,7 +8021,7 @@
             <a:fld id="{96DFF08F-DC6B-4601-B491-B0F83F6DD2DA}" type="datetimeFigureOut">
               <a:rPr lang="en-US" smtClean="0"/>
               <a:pPr/>
-              <a:t>6/19/24</a:t>
+              <a:t>6/18/24</a:t>
             </a:fld>
             <a:endParaRPr lang="en-US"/>
           </a:p>
@@ -8468,7 +8468,7 @@
             <a:fld id="{96DFF08F-DC6B-4601-B491-B0F83F6DD2DA}" type="datetimeFigureOut">
               <a:rPr lang="en-US" smtClean="0"/>
               <a:pPr/>
-              <a:t>6/19/24</a:t>
+              <a:t>6/18/24</a:t>
             </a:fld>
             <a:endParaRPr lang="en-US"/>
           </a:p>
@@ -8588,7 +8588,7 @@
             <a:fld id="{96DFF08F-DC6B-4601-B491-B0F83F6DD2DA}" type="datetimeFigureOut">
               <a:rPr lang="en-US" smtClean="0"/>
               <a:pPr/>
-              <a:t>6/19/24</a:t>
+              <a:t>6/18/24</a:t>
             </a:fld>
             <a:endParaRPr lang="en-US"/>
           </a:p>
@@ -8685,7 +8685,7 @@
             <a:fld id="{96DFF08F-DC6B-4601-B491-B0F83F6DD2DA}" type="datetimeFigureOut">
               <a:rPr lang="en-US" smtClean="0"/>
               <a:pPr/>
-              <a:t>6/19/24</a:t>
+              <a:t>6/18/24</a:t>
             </a:fld>
             <a:endParaRPr lang="en-US"/>
           </a:p>
@@ -8968,7 +8968,7 @@
             <a:fld id="{96DFF08F-DC6B-4601-B491-B0F83F6DD2DA}" type="datetimeFigureOut">
               <a:rPr lang="en-US" smtClean="0"/>
               <a:pPr/>
-              <a:t>6/19/24</a:t>
+              <a:t>6/18/24</a:t>
             </a:fld>
             <a:endParaRPr lang="en-US"/>
           </a:p>
@@ -9250,7 +9250,7 @@
             <a:fld id="{96DFF08F-DC6B-4601-B491-B0F83F6DD2DA}" type="datetimeFigureOut">
               <a:rPr lang="en-US" smtClean="0"/>
               <a:pPr/>
-              <a:t>6/19/24</a:t>
+              <a:t>6/18/24</a:t>
             </a:fld>
             <a:endParaRPr lang="en-US"/>
           </a:p>
@@ -12861,7 +12861,7 @@
           <a:noFill/>
           <a:extLst>
             <a:ext uri="{909E8E84-426E-40dd-AFC4-6F175D3DCCD1}">
-              <a14:hiddenFill xmlns="" xmlns:a14="http://schemas.microsoft.com/office/drawing/2010/main" xmlns:a16="http://schemas.microsoft.com/office/drawing/2014/main">
+              <a14:hiddenFill xmlns:a16="http://schemas.microsoft.com/office/drawing/2014/main" xmlns:a14="http://schemas.microsoft.com/office/drawing/2010/main" xmlns="">
                 <a:solidFill>
                   <a:srgbClr val="FFFFFF"/>
                 </a:solidFill>
@@ -12953,7 +12953,7 @@
             </a:ln>
             <a:extLst>
               <a:ext uri="{91240B29-F687-4f45-9708-019B960494DF}">
-                <a14:hiddenLine xmlns="" xmlns:a14="http://schemas.microsoft.com/office/drawing/2010/main" xmlns:a16="http://schemas.microsoft.com/office/drawing/2014/main" w="9525">
+                <a14:hiddenLine xmlns:a16="http://schemas.microsoft.com/office/drawing/2014/main" xmlns:a14="http://schemas.microsoft.com/office/drawing/2010/main" xmlns="" w="9525">
                   <a:solidFill>
                     <a:srgbClr val="000000"/>
                   </a:solidFill>
@@ -13065,7 +13065,7 @@
             </a:ln>
             <a:extLst>
               <a:ext uri="{91240B29-F687-4f45-9708-019B960494DF}">
-                <a14:hiddenLine xmlns="" xmlns:a14="http://schemas.microsoft.com/office/drawing/2010/main" xmlns:a16="http://schemas.microsoft.com/office/drawing/2014/main" w="9525">
+                <a14:hiddenLine xmlns:a16="http://schemas.microsoft.com/office/drawing/2014/main" xmlns:a14="http://schemas.microsoft.com/office/drawing/2010/main" xmlns="" w="9525">
                   <a:solidFill>
                     <a:srgbClr val="000000"/>
                   </a:solidFill>
@@ -13177,7 +13177,7 @@
             </a:ln>
             <a:extLst>
               <a:ext uri="{91240B29-F687-4f45-9708-019B960494DF}">
-                <a14:hiddenLine xmlns="" xmlns:a14="http://schemas.microsoft.com/office/drawing/2010/main" xmlns:a16="http://schemas.microsoft.com/office/drawing/2014/main" w="9525">
+                <a14:hiddenLine xmlns:a16="http://schemas.microsoft.com/office/drawing/2014/main" xmlns:a14="http://schemas.microsoft.com/office/drawing/2010/main" xmlns="" w="9525">
                   <a:solidFill>
                     <a:srgbClr val="000000"/>
                   </a:solidFill>
@@ -13233,7 +13233,7 @@
             </a:ln>
             <a:extLst>
               <a:ext uri="{91240B29-F687-4f45-9708-019B960494DF}">
-                <a14:hiddenLine xmlns="" xmlns:a14="http://schemas.microsoft.com/office/drawing/2010/main" xmlns:a16="http://schemas.microsoft.com/office/drawing/2014/main" w="9525">
+                <a14:hiddenLine xmlns:a16="http://schemas.microsoft.com/office/drawing/2014/main" xmlns:a14="http://schemas.microsoft.com/office/drawing/2010/main" xmlns="" w="9525">
                   <a:solidFill>
                     <a:srgbClr val="000000"/>
                   </a:solidFill>
@@ -13345,7 +13345,7 @@
             </a:ln>
             <a:extLst>
               <a:ext uri="{91240B29-F687-4f45-9708-019B960494DF}">
-                <a14:hiddenLine xmlns="" xmlns:a14="http://schemas.microsoft.com/office/drawing/2010/main" xmlns:a16="http://schemas.microsoft.com/office/drawing/2014/main" w="9525">
+                <a14:hiddenLine xmlns:a16="http://schemas.microsoft.com/office/drawing/2014/main" xmlns:a14="http://schemas.microsoft.com/office/drawing/2010/main" xmlns="" w="9525">
                   <a:solidFill>
                     <a:srgbClr val="000000"/>
                   </a:solidFill>
@@ -13429,7 +13429,7 @@
             </a:ln>
             <a:extLst>
               <a:ext uri="{91240B29-F687-4f45-9708-019B960494DF}">
-                <a14:hiddenLine xmlns="" xmlns:a14="http://schemas.microsoft.com/office/drawing/2010/main" xmlns:a16="http://schemas.microsoft.com/office/drawing/2014/main" w="9525">
+                <a14:hiddenLine xmlns:a16="http://schemas.microsoft.com/office/drawing/2014/main" xmlns:a14="http://schemas.microsoft.com/office/drawing/2010/main" xmlns="" w="9525">
                   <a:solidFill>
                     <a:srgbClr val="000000"/>
                   </a:solidFill>
@@ -13513,7 +13513,7 @@
             </a:ln>
             <a:extLst>
               <a:ext uri="{91240B29-F687-4f45-9708-019B960494DF}">
-                <a14:hiddenLine xmlns="" xmlns:a14="http://schemas.microsoft.com/office/drawing/2010/main" xmlns:a16="http://schemas.microsoft.com/office/drawing/2014/main" w="9525">
+                <a14:hiddenLine xmlns:a16="http://schemas.microsoft.com/office/drawing/2014/main" xmlns:a14="http://schemas.microsoft.com/office/drawing/2010/main" xmlns="" w="9525">
                   <a:solidFill>
                     <a:srgbClr val="000000"/>
                   </a:solidFill>
@@ -13625,7 +13625,7 @@
             </a:ln>
             <a:extLst>
               <a:ext uri="{91240B29-F687-4f45-9708-019B960494DF}">
-                <a14:hiddenLine xmlns="" xmlns:a14="http://schemas.microsoft.com/office/drawing/2010/main" xmlns:a16="http://schemas.microsoft.com/office/drawing/2014/main" w="9525">
+                <a14:hiddenLine xmlns:a16="http://schemas.microsoft.com/office/drawing/2014/main" xmlns:a14="http://schemas.microsoft.com/office/drawing/2010/main" xmlns="" w="9525">
                   <a:solidFill>
                     <a:srgbClr val="000000"/>
                   </a:solidFill>
@@ -13709,7 +13709,7 @@
             </a:ln>
             <a:extLst>
               <a:ext uri="{91240B29-F687-4f45-9708-019B960494DF}">
-                <a14:hiddenLine xmlns="" xmlns:a14="http://schemas.microsoft.com/office/drawing/2010/main" xmlns:a16="http://schemas.microsoft.com/office/drawing/2014/main" w="9525">
+                <a14:hiddenLine xmlns:a16="http://schemas.microsoft.com/office/drawing/2014/main" xmlns:a14="http://schemas.microsoft.com/office/drawing/2010/main" xmlns="" w="9525">
                   <a:solidFill>
                     <a:srgbClr val="000000"/>
                   </a:solidFill>
@@ -13793,7 +13793,7 @@
             </a:ln>
             <a:extLst>
               <a:ext uri="{91240B29-F687-4f45-9708-019B960494DF}">
-                <a14:hiddenLine xmlns="" xmlns:a14="http://schemas.microsoft.com/office/drawing/2010/main" xmlns:a16="http://schemas.microsoft.com/office/drawing/2014/main" w="9525">
+                <a14:hiddenLine xmlns:a16="http://schemas.microsoft.com/office/drawing/2014/main" xmlns:a14="http://schemas.microsoft.com/office/drawing/2010/main" xmlns="" w="9525">
                   <a:solidFill>
                     <a:srgbClr val="000000"/>
                   </a:solidFill>
@@ -13905,7 +13905,7 @@
             </a:ln>
             <a:extLst>
               <a:ext uri="{91240B29-F687-4f45-9708-019B960494DF}">
-                <a14:hiddenLine xmlns="" xmlns:a14="http://schemas.microsoft.com/office/drawing/2010/main" xmlns:a16="http://schemas.microsoft.com/office/drawing/2014/main" w="9525">
+                <a14:hiddenLine xmlns:a16="http://schemas.microsoft.com/office/drawing/2014/main" xmlns:a14="http://schemas.microsoft.com/office/drawing/2010/main" xmlns="" w="9525">
                   <a:solidFill>
                     <a:srgbClr val="000000"/>
                   </a:solidFill>
@@ -14017,7 +14017,7 @@
             </a:ln>
             <a:extLst>
               <a:ext uri="{91240B29-F687-4f45-9708-019B960494DF}">
-                <a14:hiddenLine xmlns="" xmlns:a14="http://schemas.microsoft.com/office/drawing/2010/main" xmlns:a16="http://schemas.microsoft.com/office/drawing/2014/main" w="9525">
+                <a14:hiddenLine xmlns:a16="http://schemas.microsoft.com/office/drawing/2014/main" xmlns:a14="http://schemas.microsoft.com/office/drawing/2010/main" xmlns="" w="9525">
                   <a:solidFill>
                     <a:srgbClr val="000000"/>
                   </a:solidFill>
@@ -14101,7 +14101,7 @@
             </a:ln>
             <a:extLst>
               <a:ext uri="{91240B29-F687-4f45-9708-019B960494DF}">
-                <a14:hiddenLine xmlns="" xmlns:a14="http://schemas.microsoft.com/office/drawing/2010/main" xmlns:a16="http://schemas.microsoft.com/office/drawing/2014/main" w="9525">
+                <a14:hiddenLine xmlns:a16="http://schemas.microsoft.com/office/drawing/2014/main" xmlns:a14="http://schemas.microsoft.com/office/drawing/2010/main" xmlns="" w="9525">
                   <a:solidFill>
                     <a:srgbClr val="000000"/>
                   </a:solidFill>
@@ -14233,7 +14233,7 @@
             </a:ln>
             <a:extLst>
               <a:ext uri="{91240B29-F687-4f45-9708-019B960494DF}">
-                <a14:hiddenLine xmlns="" xmlns:a14="http://schemas.microsoft.com/office/drawing/2010/main" xmlns:a16="http://schemas.microsoft.com/office/drawing/2014/main" w="9525">
+                <a14:hiddenLine xmlns:a16="http://schemas.microsoft.com/office/drawing/2014/main" xmlns:a14="http://schemas.microsoft.com/office/drawing/2010/main" xmlns="" w="9525">
                   <a:solidFill>
                     <a:srgbClr val="000000"/>
                   </a:solidFill>
@@ -14317,7 +14317,7 @@
             </a:ln>
             <a:extLst>
               <a:ext uri="{91240B29-F687-4f45-9708-019B960494DF}">
-                <a14:hiddenLine xmlns="" xmlns:a14="http://schemas.microsoft.com/office/drawing/2010/main" xmlns:a16="http://schemas.microsoft.com/office/drawing/2014/main" w="9525">
+                <a14:hiddenLine xmlns:a16="http://schemas.microsoft.com/office/drawing/2014/main" xmlns:a14="http://schemas.microsoft.com/office/drawing/2010/main" xmlns="" w="9525">
                   <a:solidFill>
                     <a:srgbClr val="000000"/>
                   </a:solidFill>
@@ -14429,7 +14429,7 @@
             </a:ln>
             <a:extLst>
               <a:ext uri="{91240B29-F687-4f45-9708-019B960494DF}">
-                <a14:hiddenLine xmlns="" xmlns:a14="http://schemas.microsoft.com/office/drawing/2010/main" xmlns:a16="http://schemas.microsoft.com/office/drawing/2014/main" w="9525">
+                <a14:hiddenLine xmlns:a16="http://schemas.microsoft.com/office/drawing/2014/main" xmlns:a14="http://schemas.microsoft.com/office/drawing/2010/main" xmlns="" w="9525">
                   <a:solidFill>
                     <a:srgbClr val="000000"/>
                   </a:solidFill>
@@ -14541,7 +14541,7 @@
             </a:ln>
             <a:extLst>
               <a:ext uri="{91240B29-F687-4f45-9708-019B960494DF}">
-                <a14:hiddenLine xmlns="" xmlns:a14="http://schemas.microsoft.com/office/drawing/2010/main" xmlns:a16="http://schemas.microsoft.com/office/drawing/2014/main" w="9525">
+                <a14:hiddenLine xmlns:a16="http://schemas.microsoft.com/office/drawing/2014/main" xmlns:a14="http://schemas.microsoft.com/office/drawing/2010/main" xmlns="" w="9525">
                   <a:solidFill>
                     <a:srgbClr val="000000"/>
                   </a:solidFill>
@@ -14625,7 +14625,7 @@
             </a:ln>
             <a:extLst>
               <a:ext uri="{91240B29-F687-4f45-9708-019B960494DF}">
-                <a14:hiddenLine xmlns="" xmlns:a14="http://schemas.microsoft.com/office/drawing/2010/main" xmlns:a16="http://schemas.microsoft.com/office/drawing/2014/main" w="9525">
+                <a14:hiddenLine xmlns:a16="http://schemas.microsoft.com/office/drawing/2014/main" xmlns:a14="http://schemas.microsoft.com/office/drawing/2010/main" xmlns="" w="9525">
                   <a:solidFill>
                     <a:srgbClr val="000000"/>
                   </a:solidFill>
@@ -14737,7 +14737,7 @@
             </a:ln>
             <a:extLst>
               <a:ext uri="{91240B29-F687-4f45-9708-019B960494DF}">
-                <a14:hiddenLine xmlns="" xmlns:a14="http://schemas.microsoft.com/office/drawing/2010/main" xmlns:a16="http://schemas.microsoft.com/office/drawing/2014/main" w="9525">
+                <a14:hiddenLine xmlns:a16="http://schemas.microsoft.com/office/drawing/2014/main" xmlns:a14="http://schemas.microsoft.com/office/drawing/2010/main" xmlns="" w="9525">
                   <a:solidFill>
                     <a:srgbClr val="000000"/>
                   </a:solidFill>
@@ -14849,7 +14849,7 @@
             </a:ln>
             <a:extLst>
               <a:ext uri="{91240B29-F687-4f45-9708-019B960494DF}">
-                <a14:hiddenLine xmlns="" xmlns:a14="http://schemas.microsoft.com/office/drawing/2010/main" xmlns:a16="http://schemas.microsoft.com/office/drawing/2014/main" w="9525">
+                <a14:hiddenLine xmlns:a16="http://schemas.microsoft.com/office/drawing/2014/main" xmlns:a14="http://schemas.microsoft.com/office/drawing/2010/main" xmlns="" w="9525">
                   <a:solidFill>
                     <a:srgbClr val="000000"/>
                   </a:solidFill>
@@ -14927,7 +14927,7 @@
             </a:ln>
             <a:extLst>
               <a:ext uri="{91240B29-F687-4f45-9708-019B960494DF}">
-                <a14:hiddenLine xmlns="" xmlns:a14="http://schemas.microsoft.com/office/drawing/2010/main" xmlns:a16="http://schemas.microsoft.com/office/drawing/2014/main" w="9525">
+                <a14:hiddenLine xmlns:a16="http://schemas.microsoft.com/office/drawing/2014/main" xmlns:a14="http://schemas.microsoft.com/office/drawing/2010/main" xmlns="" w="9525">
                   <a:solidFill>
                     <a:srgbClr val="000000"/>
                   </a:solidFill>
@@ -15039,7 +15039,7 @@
             </a:ln>
             <a:extLst>
               <a:ext uri="{91240B29-F687-4f45-9708-019B960494DF}">
-                <a14:hiddenLine xmlns="" xmlns:a14="http://schemas.microsoft.com/office/drawing/2010/main" xmlns:a16="http://schemas.microsoft.com/office/drawing/2014/main" w="9525">
+                <a14:hiddenLine xmlns:a16="http://schemas.microsoft.com/office/drawing/2014/main" xmlns:a14="http://schemas.microsoft.com/office/drawing/2010/main" xmlns="" w="9525">
                   <a:solidFill>
                     <a:srgbClr val="000000"/>
                   </a:solidFill>
@@ -15117,7 +15117,7 @@
             </a:ln>
             <a:extLst>
               <a:ext uri="{91240B29-F687-4f45-9708-019B960494DF}">
-                <a14:hiddenLine xmlns="" xmlns:a14="http://schemas.microsoft.com/office/drawing/2010/main" xmlns:a16="http://schemas.microsoft.com/office/drawing/2014/main" w="9525">
+                <a14:hiddenLine xmlns:a16="http://schemas.microsoft.com/office/drawing/2014/main" xmlns:a14="http://schemas.microsoft.com/office/drawing/2010/main" xmlns="" w="9525">
                   <a:solidFill>
                     <a:srgbClr val="000000"/>
                   </a:solidFill>
@@ -15229,7 +15229,7 @@
             </a:ln>
             <a:extLst>
               <a:ext uri="{91240B29-F687-4f45-9708-019B960494DF}">
-                <a14:hiddenLine xmlns="" xmlns:a14="http://schemas.microsoft.com/office/drawing/2010/main" xmlns:a16="http://schemas.microsoft.com/office/drawing/2014/main" w="9525">
+                <a14:hiddenLine xmlns:a16="http://schemas.microsoft.com/office/drawing/2014/main" xmlns:a14="http://schemas.microsoft.com/office/drawing/2010/main" xmlns="" w="9525">
                   <a:solidFill>
                     <a:srgbClr val="000000"/>
                   </a:solidFill>
@@ -15319,7 +15319,7 @@
             </a:ln>
             <a:extLst>
               <a:ext uri="{91240B29-F687-4f45-9708-019B960494DF}">
-                <a14:hiddenLine xmlns="" xmlns:a14="http://schemas.microsoft.com/office/drawing/2010/main" xmlns:a16="http://schemas.microsoft.com/office/drawing/2014/main" w="9525">
+                <a14:hiddenLine xmlns:a16="http://schemas.microsoft.com/office/drawing/2014/main" xmlns:a14="http://schemas.microsoft.com/office/drawing/2010/main" xmlns="" w="9525">
                   <a:solidFill>
                     <a:srgbClr val="000000"/>
                   </a:solidFill>
@@ -15431,7 +15431,7 @@
             </a:ln>
             <a:extLst>
               <a:ext uri="{91240B29-F687-4f45-9708-019B960494DF}">
-                <a14:hiddenLine xmlns="" xmlns:a14="http://schemas.microsoft.com/office/drawing/2010/main" xmlns:a16="http://schemas.microsoft.com/office/drawing/2014/main" w="9525">
+                <a14:hiddenLine xmlns:a16="http://schemas.microsoft.com/office/drawing/2014/main" xmlns:a14="http://schemas.microsoft.com/office/drawing/2010/main" xmlns="" w="9525">
                   <a:solidFill>
                     <a:srgbClr val="000000"/>
                   </a:solidFill>
@@ -15521,7 +15521,7 @@
             </a:ln>
             <a:extLst>
               <a:ext uri="{91240B29-F687-4f45-9708-019B960494DF}">
-                <a14:hiddenLine xmlns="" xmlns:a14="http://schemas.microsoft.com/office/drawing/2010/main" xmlns:a16="http://schemas.microsoft.com/office/drawing/2014/main" w="9525">
+                <a14:hiddenLine xmlns:a16="http://schemas.microsoft.com/office/drawing/2014/main" xmlns:a14="http://schemas.microsoft.com/office/drawing/2010/main" xmlns="" w="9525">
                   <a:solidFill>
                     <a:srgbClr val="000000"/>
                   </a:solidFill>
@@ -15633,7 +15633,7 @@
             </a:ln>
             <a:extLst>
               <a:ext uri="{91240B29-F687-4f45-9708-019B960494DF}">
-                <a14:hiddenLine xmlns="" xmlns:a14="http://schemas.microsoft.com/office/drawing/2010/main" xmlns:a16="http://schemas.microsoft.com/office/drawing/2014/main" w="9525">
+                <a14:hiddenLine xmlns:a16="http://schemas.microsoft.com/office/drawing/2014/main" xmlns:a14="http://schemas.microsoft.com/office/drawing/2010/main" xmlns="" w="9525">
                   <a:solidFill>
                     <a:srgbClr val="000000"/>
                   </a:solidFill>
@@ -15689,7 +15689,7 @@
             </a:ln>
             <a:extLst>
               <a:ext uri="{91240B29-F687-4f45-9708-019B960494DF}">
-                <a14:hiddenLine xmlns="" xmlns:a14="http://schemas.microsoft.com/office/drawing/2010/main" xmlns:a16="http://schemas.microsoft.com/office/drawing/2014/main" w="9525">
+                <a14:hiddenLine xmlns:a16="http://schemas.microsoft.com/office/drawing/2014/main" xmlns:a14="http://schemas.microsoft.com/office/drawing/2010/main" xmlns="" w="9525">
                   <a:solidFill>
                     <a:srgbClr val="000000"/>
                   </a:solidFill>
@@ -15801,7 +15801,7 @@
             </a:ln>
             <a:extLst>
               <a:ext uri="{91240B29-F687-4f45-9708-019B960494DF}">
-                <a14:hiddenLine xmlns="" xmlns:a14="http://schemas.microsoft.com/office/drawing/2010/main" xmlns:a16="http://schemas.microsoft.com/office/drawing/2014/main" w="9525">
+                <a14:hiddenLine xmlns:a16="http://schemas.microsoft.com/office/drawing/2014/main" xmlns:a14="http://schemas.microsoft.com/office/drawing/2010/main" xmlns="" w="9525">
                   <a:solidFill>
                     <a:srgbClr val="000000"/>
                   </a:solidFill>
@@ -15885,7 +15885,7 @@
             </a:ln>
             <a:extLst>
               <a:ext uri="{91240B29-F687-4f45-9708-019B960494DF}">
-                <a14:hiddenLine xmlns="" xmlns:a14="http://schemas.microsoft.com/office/drawing/2010/main" xmlns:a16="http://schemas.microsoft.com/office/drawing/2014/main" w="9525">
+                <a14:hiddenLine xmlns:a16="http://schemas.microsoft.com/office/drawing/2014/main" xmlns:a14="http://schemas.microsoft.com/office/drawing/2010/main" xmlns="" w="9525">
                   <a:solidFill>
                     <a:srgbClr val="000000"/>
                   </a:solidFill>
@@ -15969,7 +15969,7 @@
             </a:ln>
             <a:extLst>
               <a:ext uri="{91240B29-F687-4f45-9708-019B960494DF}">
-                <a14:hiddenLine xmlns="" xmlns:a14="http://schemas.microsoft.com/office/drawing/2010/main" xmlns:a16="http://schemas.microsoft.com/office/drawing/2014/main" w="9525">
+                <a14:hiddenLine xmlns:a16="http://schemas.microsoft.com/office/drawing/2014/main" xmlns:a14="http://schemas.microsoft.com/office/drawing/2010/main" xmlns="" w="9525">
                   <a:solidFill>
                     <a:srgbClr val="000000"/>
                   </a:solidFill>
@@ -16081,7 +16081,7 @@
             </a:ln>
             <a:extLst>
               <a:ext uri="{91240B29-F687-4f45-9708-019B960494DF}">
-                <a14:hiddenLine xmlns="" xmlns:a14="http://schemas.microsoft.com/office/drawing/2010/main" xmlns:a16="http://schemas.microsoft.com/office/drawing/2014/main" w="9525">
+                <a14:hiddenLine xmlns:a16="http://schemas.microsoft.com/office/drawing/2014/main" xmlns:a14="http://schemas.microsoft.com/office/drawing/2010/main" xmlns="" w="9525">
                   <a:solidFill>
                     <a:srgbClr val="000000"/>
                   </a:solidFill>
@@ -16171,7 +16171,7 @@
             </a:ln>
             <a:extLst>
               <a:ext uri="{91240B29-F687-4f45-9708-019B960494DF}">
-                <a14:hiddenLine xmlns="" xmlns:a14="http://schemas.microsoft.com/office/drawing/2010/main" xmlns:a16="http://schemas.microsoft.com/office/drawing/2014/main" w="9525">
+                <a14:hiddenLine xmlns:a16="http://schemas.microsoft.com/office/drawing/2014/main" xmlns:a14="http://schemas.microsoft.com/office/drawing/2010/main" xmlns="" w="9525">
                   <a:solidFill>
                     <a:srgbClr val="000000"/>
                   </a:solidFill>
@@ -16255,7 +16255,7 @@
             </a:ln>
             <a:extLst>
               <a:ext uri="{91240B29-F687-4f45-9708-019B960494DF}">
-                <a14:hiddenLine xmlns="" xmlns:a14="http://schemas.microsoft.com/office/drawing/2010/main" xmlns:a16="http://schemas.microsoft.com/office/drawing/2014/main" w="9525">
+                <a14:hiddenLine xmlns:a16="http://schemas.microsoft.com/office/drawing/2014/main" xmlns:a14="http://schemas.microsoft.com/office/drawing/2010/main" xmlns="" w="9525">
                   <a:solidFill>
                     <a:srgbClr val="000000"/>
                   </a:solidFill>
@@ -16367,7 +16367,7 @@
             </a:ln>
             <a:extLst>
               <a:ext uri="{91240B29-F687-4f45-9708-019B960494DF}">
-                <a14:hiddenLine xmlns="" xmlns:a14="http://schemas.microsoft.com/office/drawing/2010/main" xmlns:a16="http://schemas.microsoft.com/office/drawing/2014/main" w="9525">
+                <a14:hiddenLine xmlns:a16="http://schemas.microsoft.com/office/drawing/2014/main" xmlns:a14="http://schemas.microsoft.com/office/drawing/2010/main" xmlns="" w="9525">
                   <a:solidFill>
                     <a:srgbClr val="000000"/>
                   </a:solidFill>
@@ -16451,7 +16451,7 @@
             </a:ln>
             <a:extLst>
               <a:ext uri="{91240B29-F687-4f45-9708-019B960494DF}">
-                <a14:hiddenLine xmlns="" xmlns:a14="http://schemas.microsoft.com/office/drawing/2010/main" xmlns:a16="http://schemas.microsoft.com/office/drawing/2014/main" w="9525">
+                <a14:hiddenLine xmlns:a16="http://schemas.microsoft.com/office/drawing/2014/main" xmlns:a14="http://schemas.microsoft.com/office/drawing/2010/main" xmlns="" w="9525">
                   <a:solidFill>
                     <a:srgbClr val="000000"/>
                   </a:solidFill>
@@ -16563,7 +16563,7 @@
             </a:ln>
             <a:extLst>
               <a:ext uri="{91240B29-F687-4f45-9708-019B960494DF}">
-                <a14:hiddenLine xmlns="" xmlns:a14="http://schemas.microsoft.com/office/drawing/2010/main" xmlns:a16="http://schemas.microsoft.com/office/drawing/2014/main" w="9525">
+                <a14:hiddenLine xmlns:a16="http://schemas.microsoft.com/office/drawing/2014/main" xmlns:a14="http://schemas.microsoft.com/office/drawing/2010/main" xmlns="" w="9525">
                   <a:solidFill>
                     <a:srgbClr val="000000"/>
                   </a:solidFill>
@@ -16647,7 +16647,7 @@
             </a:ln>
             <a:extLst>
               <a:ext uri="{91240B29-F687-4f45-9708-019B960494DF}">
-                <a14:hiddenLine xmlns="" xmlns:a14="http://schemas.microsoft.com/office/drawing/2010/main" xmlns:a16="http://schemas.microsoft.com/office/drawing/2014/main" w="9525">
+                <a14:hiddenLine xmlns:a16="http://schemas.microsoft.com/office/drawing/2014/main" xmlns:a14="http://schemas.microsoft.com/office/drawing/2010/main" xmlns="" w="9525">
                   <a:solidFill>
                     <a:srgbClr val="000000"/>
                   </a:solidFill>
@@ -16759,7 +16759,7 @@
             </a:ln>
             <a:extLst>
               <a:ext uri="{91240B29-F687-4f45-9708-019B960494DF}">
-                <a14:hiddenLine xmlns="" xmlns:a14="http://schemas.microsoft.com/office/drawing/2010/main" xmlns:a16="http://schemas.microsoft.com/office/drawing/2014/main" w="9525">
+                <a14:hiddenLine xmlns:a16="http://schemas.microsoft.com/office/drawing/2014/main" xmlns:a14="http://schemas.microsoft.com/office/drawing/2010/main" xmlns="" w="9525">
                   <a:solidFill>
                     <a:srgbClr val="000000"/>
                   </a:solidFill>
@@ -16815,7 +16815,7 @@
             </a:ln>
             <a:extLst>
               <a:ext uri="{91240B29-F687-4f45-9708-019B960494DF}">
-                <a14:hiddenLine xmlns="" xmlns:a14="http://schemas.microsoft.com/office/drawing/2010/main" xmlns:a16="http://schemas.microsoft.com/office/drawing/2014/main" w="9525">
+                <a14:hiddenLine xmlns:a16="http://schemas.microsoft.com/office/drawing/2014/main" xmlns:a14="http://schemas.microsoft.com/office/drawing/2010/main" xmlns="" w="9525">
                   <a:solidFill>
                     <a:srgbClr val="000000"/>
                   </a:solidFill>
@@ -16902,7 +16902,7 @@
             </a:ln>
             <a:extLst>
               <a:ext uri="{91240B29-F687-4f45-9708-019B960494DF}">
-                <a14:hiddenLine xmlns="" xmlns:a14="http://schemas.microsoft.com/office/drawing/2010/main" xmlns:a16="http://schemas.microsoft.com/office/drawing/2014/main" w="9525">
+                <a14:hiddenLine xmlns:a16="http://schemas.microsoft.com/office/drawing/2014/main" xmlns:a14="http://schemas.microsoft.com/office/drawing/2010/main" xmlns="" w="9525">
                   <a:solidFill>
                     <a:srgbClr val="000000"/>
                   </a:solidFill>
@@ -17014,7 +17014,7 @@
             </a:ln>
             <a:extLst>
               <a:ext uri="{91240B29-F687-4f45-9708-019B960494DF}">
-                <a14:hiddenLine xmlns="" xmlns:a14="http://schemas.microsoft.com/office/drawing/2010/main" xmlns:a16="http://schemas.microsoft.com/office/drawing/2014/main" w="9525">
+                <a14:hiddenLine xmlns:a16="http://schemas.microsoft.com/office/drawing/2014/main" xmlns:a14="http://schemas.microsoft.com/office/drawing/2010/main" xmlns="" w="9525">
                   <a:solidFill>
                     <a:srgbClr val="000000"/>
                   </a:solidFill>
@@ -17098,7 +17098,7 @@
             </a:ln>
             <a:extLst>
               <a:ext uri="{91240B29-F687-4f45-9708-019B960494DF}">
-                <a14:hiddenLine xmlns="" xmlns:a14="http://schemas.microsoft.com/office/drawing/2010/main" xmlns:a16="http://schemas.microsoft.com/office/drawing/2014/main" w="9525">
+                <a14:hiddenLine xmlns:a16="http://schemas.microsoft.com/office/drawing/2014/main" xmlns:a14="http://schemas.microsoft.com/office/drawing/2010/main" xmlns="" w="9525">
                   <a:solidFill>
                     <a:srgbClr val="000000"/>
                   </a:solidFill>
@@ -17210,7 +17210,7 @@
             </a:ln>
             <a:extLst>
               <a:ext uri="{91240B29-F687-4f45-9708-019B960494DF}">
-                <a14:hiddenLine xmlns="" xmlns:a14="http://schemas.microsoft.com/office/drawing/2010/main" xmlns:a16="http://schemas.microsoft.com/office/drawing/2014/main" w="9525">
+                <a14:hiddenLine xmlns:a16="http://schemas.microsoft.com/office/drawing/2014/main" xmlns:a14="http://schemas.microsoft.com/office/drawing/2010/main" xmlns="" w="9525">
                   <a:solidFill>
                     <a:srgbClr val="000000"/>
                   </a:solidFill>
@@ -17322,7 +17322,7 @@
             </a:ln>
             <a:extLst>
               <a:ext uri="{91240B29-F687-4f45-9708-019B960494DF}">
-                <a14:hiddenLine xmlns="" xmlns:a14="http://schemas.microsoft.com/office/drawing/2010/main" xmlns:a16="http://schemas.microsoft.com/office/drawing/2014/main" w="9525">
+                <a14:hiddenLine xmlns:a16="http://schemas.microsoft.com/office/drawing/2014/main" xmlns:a14="http://schemas.microsoft.com/office/drawing/2010/main" xmlns="" w="9525">
                   <a:solidFill>
                     <a:srgbClr val="000000"/>
                   </a:solidFill>
@@ -17409,7 +17409,7 @@
             </a:ln>
             <a:extLst>
               <a:ext uri="{91240B29-F687-4f45-9708-019B960494DF}">
-                <a14:hiddenLine xmlns="" xmlns:a14="http://schemas.microsoft.com/office/drawing/2010/main" xmlns:a16="http://schemas.microsoft.com/office/drawing/2014/main" w="9525">
+                <a14:hiddenLine xmlns:a16="http://schemas.microsoft.com/office/drawing/2014/main" xmlns:a14="http://schemas.microsoft.com/office/drawing/2010/main" xmlns="" w="9525">
                   <a:solidFill>
                     <a:srgbClr val="000000"/>
                   </a:solidFill>
@@ -17493,7 +17493,7 @@
             </a:ln>
             <a:extLst>
               <a:ext uri="{91240B29-F687-4f45-9708-019B960494DF}">
-                <a14:hiddenLine xmlns="" xmlns:a14="http://schemas.microsoft.com/office/drawing/2010/main" xmlns:a16="http://schemas.microsoft.com/office/drawing/2014/main" w="9525">
+                <a14:hiddenLine xmlns:a16="http://schemas.microsoft.com/office/drawing/2014/main" xmlns:a14="http://schemas.microsoft.com/office/drawing/2010/main" xmlns="" w="9525">
                   <a:solidFill>
                     <a:srgbClr val="000000"/>
                   </a:solidFill>
@@ -17605,7 +17605,7 @@
             </a:ln>
             <a:extLst>
               <a:ext uri="{91240B29-F687-4f45-9708-019B960494DF}">
-                <a14:hiddenLine xmlns="" xmlns:a14="http://schemas.microsoft.com/office/drawing/2010/main" xmlns:a16="http://schemas.microsoft.com/office/drawing/2014/main" w="9525">
+                <a14:hiddenLine xmlns:a16="http://schemas.microsoft.com/office/drawing/2014/main" xmlns:a14="http://schemas.microsoft.com/office/drawing/2010/main" xmlns="" w="9525">
                   <a:solidFill>
                     <a:srgbClr val="000000"/>
                   </a:solidFill>
@@ -17717,7 +17717,7 @@
             </a:ln>
             <a:extLst>
               <a:ext uri="{91240B29-F687-4f45-9708-019B960494DF}">
-                <a14:hiddenLine xmlns="" xmlns:a14="http://schemas.microsoft.com/office/drawing/2010/main" xmlns:a16="http://schemas.microsoft.com/office/drawing/2014/main" w="9525">
+                <a14:hiddenLine xmlns:a16="http://schemas.microsoft.com/office/drawing/2014/main" xmlns:a14="http://schemas.microsoft.com/office/drawing/2010/main" xmlns="" w="9525">
                   <a:solidFill>
                     <a:srgbClr val="000000"/>
                   </a:solidFill>
@@ -17801,7 +17801,7 @@
             </a:ln>
             <a:extLst>
               <a:ext uri="{91240B29-F687-4f45-9708-019B960494DF}">
-                <a14:hiddenLine xmlns="" xmlns:a14="http://schemas.microsoft.com/office/drawing/2010/main" xmlns:a16="http://schemas.microsoft.com/office/drawing/2014/main" w="9525">
+                <a14:hiddenLine xmlns:a16="http://schemas.microsoft.com/office/drawing/2014/main" xmlns:a14="http://schemas.microsoft.com/office/drawing/2010/main" xmlns="" w="9525">
                   <a:solidFill>
                     <a:srgbClr val="000000"/>
                   </a:solidFill>
@@ -17943,7 +17943,7 @@
             </a:ln>
             <a:extLst>
               <a:ext uri="{91240B29-F687-4f45-9708-019B960494DF}">
-                <a14:hiddenLine xmlns="" xmlns:a14="http://schemas.microsoft.com/office/drawing/2010/main" xmlns:a16="http://schemas.microsoft.com/office/drawing/2014/main" w="9525">
+                <a14:hiddenLine xmlns:a16="http://schemas.microsoft.com/office/drawing/2014/main" xmlns:a14="http://schemas.microsoft.com/office/drawing/2010/main" xmlns="" w="9525">
                   <a:solidFill>
                     <a:srgbClr val="000000"/>
                   </a:solidFill>
@@ -18033,7 +18033,7 @@
             </a:ln>
             <a:extLst>
               <a:ext uri="{91240B29-F687-4f45-9708-019B960494DF}">
-                <a14:hiddenLine xmlns="" xmlns:a14="http://schemas.microsoft.com/office/drawing/2010/main" xmlns:a16="http://schemas.microsoft.com/office/drawing/2014/main" w="9525">
+                <a14:hiddenLine xmlns:a16="http://schemas.microsoft.com/office/drawing/2014/main" xmlns:a14="http://schemas.microsoft.com/office/drawing/2010/main" xmlns="" w="9525">
                   <a:solidFill>
                     <a:srgbClr val="000000"/>
                   </a:solidFill>
@@ -18145,7 +18145,7 @@
             </a:ln>
             <a:extLst>
               <a:ext uri="{91240B29-F687-4f45-9708-019B960494DF}">
-                <a14:hiddenLine xmlns="" xmlns:a14="http://schemas.microsoft.com/office/drawing/2010/main" xmlns:a16="http://schemas.microsoft.com/office/drawing/2014/main" w="9525">
+                <a14:hiddenLine xmlns:a16="http://schemas.microsoft.com/office/drawing/2014/main" xmlns:a14="http://schemas.microsoft.com/office/drawing/2010/main" xmlns="" w="9525">
                   <a:solidFill>
                     <a:srgbClr val="000000"/>
                   </a:solidFill>
@@ -18299,7 +18299,7 @@
             </a:ln>
             <a:extLst>
               <a:ext uri="{91240B29-F687-4f45-9708-019B960494DF}">
-                <a14:hiddenLine xmlns="" xmlns:a14="http://schemas.microsoft.com/office/drawing/2010/main" xmlns:p14="http://schemas.microsoft.com/office/powerpoint/2010/main" xmlns:a16="http://schemas.microsoft.com/office/drawing/2014/main" w="9525">
+                <a14:hiddenLine xmlns:a16="http://schemas.microsoft.com/office/drawing/2014/main" xmlns:p14="http://schemas.microsoft.com/office/powerpoint/2010/main" xmlns:a14="http://schemas.microsoft.com/office/drawing/2010/main" xmlns="" w="9525">
                   <a:solidFill>
                     <a:srgbClr val="000000"/>
                   </a:solidFill>
@@ -18411,7 +18411,7 @@
             </a:ln>
             <a:extLst>
               <a:ext uri="{91240B29-F687-4f45-9708-019B960494DF}">
-                <a14:hiddenLine xmlns="" xmlns:a14="http://schemas.microsoft.com/office/drawing/2010/main" xmlns:p14="http://schemas.microsoft.com/office/powerpoint/2010/main" xmlns:a16="http://schemas.microsoft.com/office/drawing/2014/main" w="9525">
+                <a14:hiddenLine xmlns:a16="http://schemas.microsoft.com/office/drawing/2014/main" xmlns:p14="http://schemas.microsoft.com/office/powerpoint/2010/main" xmlns:a14="http://schemas.microsoft.com/office/drawing/2010/main" xmlns="" w="9525">
                   <a:solidFill>
                     <a:srgbClr val="000000"/>
                   </a:solidFill>
@@ -18523,7 +18523,7 @@
             </a:ln>
             <a:extLst>
               <a:ext uri="{91240B29-F687-4f45-9708-019B960494DF}">
-                <a14:hiddenLine xmlns="" xmlns:a14="http://schemas.microsoft.com/office/drawing/2010/main" xmlns:p14="http://schemas.microsoft.com/office/powerpoint/2010/main" xmlns:a16="http://schemas.microsoft.com/office/drawing/2014/main" w="9525">
+                <a14:hiddenLine xmlns:a16="http://schemas.microsoft.com/office/drawing/2014/main" xmlns:p14="http://schemas.microsoft.com/office/powerpoint/2010/main" xmlns:a14="http://schemas.microsoft.com/office/drawing/2010/main" xmlns="" w="9525">
                   <a:solidFill>
                     <a:srgbClr val="000000"/>
                   </a:solidFill>
@@ -18579,7 +18579,7 @@
             </a:ln>
             <a:extLst>
               <a:ext uri="{91240B29-F687-4f45-9708-019B960494DF}">
-                <a14:hiddenLine xmlns="" xmlns:a14="http://schemas.microsoft.com/office/drawing/2010/main" xmlns:p14="http://schemas.microsoft.com/office/powerpoint/2010/main" xmlns:a16="http://schemas.microsoft.com/office/drawing/2014/main" w="9525">
+                <a14:hiddenLine xmlns:a16="http://schemas.microsoft.com/office/drawing/2014/main" xmlns:p14="http://schemas.microsoft.com/office/powerpoint/2010/main" xmlns:a14="http://schemas.microsoft.com/office/drawing/2010/main" xmlns="" w="9525">
                   <a:solidFill>
                     <a:srgbClr val="000000"/>
                   </a:solidFill>
@@ -18691,7 +18691,7 @@
             </a:ln>
             <a:extLst>
               <a:ext uri="{91240B29-F687-4f45-9708-019B960494DF}">
-                <a14:hiddenLine xmlns="" xmlns:a14="http://schemas.microsoft.com/office/drawing/2010/main" xmlns:p14="http://schemas.microsoft.com/office/powerpoint/2010/main" xmlns:a16="http://schemas.microsoft.com/office/drawing/2014/main" w="9525">
+                <a14:hiddenLine xmlns:a16="http://schemas.microsoft.com/office/drawing/2014/main" xmlns:p14="http://schemas.microsoft.com/office/powerpoint/2010/main" xmlns:a14="http://schemas.microsoft.com/office/drawing/2010/main" xmlns="" w="9525">
                   <a:solidFill>
                     <a:srgbClr val="000000"/>
                   </a:solidFill>
@@ -18775,7 +18775,7 @@
             </a:ln>
             <a:extLst>
               <a:ext uri="{91240B29-F687-4f45-9708-019B960494DF}">
-                <a14:hiddenLine xmlns="" xmlns:a14="http://schemas.microsoft.com/office/drawing/2010/main" xmlns:p14="http://schemas.microsoft.com/office/powerpoint/2010/main" xmlns:a16="http://schemas.microsoft.com/office/drawing/2014/main" w="9525">
+                <a14:hiddenLine xmlns:a16="http://schemas.microsoft.com/office/drawing/2014/main" xmlns:p14="http://schemas.microsoft.com/office/powerpoint/2010/main" xmlns:a14="http://schemas.microsoft.com/office/drawing/2010/main" xmlns="" w="9525">
                   <a:solidFill>
                     <a:srgbClr val="000000"/>
                   </a:solidFill>
@@ -18859,7 +18859,7 @@
             </a:ln>
             <a:extLst>
               <a:ext uri="{91240B29-F687-4f45-9708-019B960494DF}">
-                <a14:hiddenLine xmlns="" xmlns:a14="http://schemas.microsoft.com/office/drawing/2010/main" xmlns:p14="http://schemas.microsoft.com/office/powerpoint/2010/main" xmlns:a16="http://schemas.microsoft.com/office/drawing/2014/main" w="9525">
+                <a14:hiddenLine xmlns:a16="http://schemas.microsoft.com/office/drawing/2014/main" xmlns:p14="http://schemas.microsoft.com/office/powerpoint/2010/main" xmlns:a14="http://schemas.microsoft.com/office/drawing/2010/main" xmlns="" w="9525">
                   <a:solidFill>
                     <a:srgbClr val="000000"/>
                   </a:solidFill>
@@ -18971,7 +18971,7 @@
             </a:ln>
             <a:extLst>
               <a:ext uri="{91240B29-F687-4f45-9708-019B960494DF}">
-                <a14:hiddenLine xmlns="" xmlns:a14="http://schemas.microsoft.com/office/drawing/2010/main" xmlns:p14="http://schemas.microsoft.com/office/powerpoint/2010/main" xmlns:a16="http://schemas.microsoft.com/office/drawing/2014/main" w="9525">
+                <a14:hiddenLine xmlns:a16="http://schemas.microsoft.com/office/drawing/2014/main" xmlns:p14="http://schemas.microsoft.com/office/powerpoint/2010/main" xmlns:a14="http://schemas.microsoft.com/office/drawing/2010/main" xmlns="" w="9525">
                   <a:solidFill>
                     <a:srgbClr val="000000"/>
                   </a:solidFill>
@@ -19055,7 +19055,7 @@
             </a:ln>
             <a:extLst>
               <a:ext uri="{91240B29-F687-4f45-9708-019B960494DF}">
-                <a14:hiddenLine xmlns="" xmlns:a14="http://schemas.microsoft.com/office/drawing/2010/main" xmlns:p14="http://schemas.microsoft.com/office/powerpoint/2010/main" xmlns:a16="http://schemas.microsoft.com/office/drawing/2014/main" w="9525">
+                <a14:hiddenLine xmlns:a16="http://schemas.microsoft.com/office/drawing/2014/main" xmlns:p14="http://schemas.microsoft.com/office/powerpoint/2010/main" xmlns:a14="http://schemas.microsoft.com/office/drawing/2010/main" xmlns="" w="9525">
                   <a:solidFill>
                     <a:srgbClr val="000000"/>
                   </a:solidFill>
@@ -19139,7 +19139,7 @@
             </a:ln>
             <a:extLst>
               <a:ext uri="{91240B29-F687-4f45-9708-019B960494DF}">
-                <a14:hiddenLine xmlns="" xmlns:a14="http://schemas.microsoft.com/office/drawing/2010/main" xmlns:p14="http://schemas.microsoft.com/office/powerpoint/2010/main" xmlns:a16="http://schemas.microsoft.com/office/drawing/2014/main" w="9525">
+                <a14:hiddenLine xmlns:a16="http://schemas.microsoft.com/office/drawing/2014/main" xmlns:p14="http://schemas.microsoft.com/office/powerpoint/2010/main" xmlns:a14="http://schemas.microsoft.com/office/drawing/2010/main" xmlns="" w="9525">
                   <a:solidFill>
                     <a:srgbClr val="000000"/>
                   </a:solidFill>
@@ -19251,7 +19251,7 @@
             </a:ln>
             <a:extLst>
               <a:ext uri="{91240B29-F687-4f45-9708-019B960494DF}">
-                <a14:hiddenLine xmlns="" xmlns:a14="http://schemas.microsoft.com/office/drawing/2010/main" xmlns:p14="http://schemas.microsoft.com/office/powerpoint/2010/main" xmlns:a16="http://schemas.microsoft.com/office/drawing/2014/main" w="9525">
+                <a14:hiddenLine xmlns:a16="http://schemas.microsoft.com/office/drawing/2014/main" xmlns:p14="http://schemas.microsoft.com/office/powerpoint/2010/main" xmlns:a14="http://schemas.microsoft.com/office/drawing/2010/main" xmlns="" w="9525">
                   <a:solidFill>
                     <a:srgbClr val="000000"/>
                   </a:solidFill>
@@ -19363,7 +19363,7 @@
             </a:ln>
             <a:extLst>
               <a:ext uri="{91240B29-F687-4f45-9708-019B960494DF}">
-                <a14:hiddenLine xmlns="" xmlns:a14="http://schemas.microsoft.com/office/drawing/2010/main" xmlns:p14="http://schemas.microsoft.com/office/powerpoint/2010/main" xmlns:a16="http://schemas.microsoft.com/office/drawing/2014/main" w="9525">
+                <a14:hiddenLine xmlns:a16="http://schemas.microsoft.com/office/drawing/2014/main" xmlns:p14="http://schemas.microsoft.com/office/powerpoint/2010/main" xmlns:a14="http://schemas.microsoft.com/office/drawing/2010/main" xmlns="" w="9525">
                   <a:solidFill>
                     <a:srgbClr val="000000"/>
                   </a:solidFill>
@@ -19447,7 +19447,7 @@
             </a:ln>
             <a:extLst>
               <a:ext uri="{91240B29-F687-4f45-9708-019B960494DF}">
-                <a14:hiddenLine xmlns="" xmlns:a14="http://schemas.microsoft.com/office/drawing/2010/main" xmlns:p14="http://schemas.microsoft.com/office/powerpoint/2010/main" xmlns:a16="http://schemas.microsoft.com/office/drawing/2014/main" w="9525">
+                <a14:hiddenLine xmlns:a16="http://schemas.microsoft.com/office/drawing/2014/main" xmlns:p14="http://schemas.microsoft.com/office/powerpoint/2010/main" xmlns:a14="http://schemas.microsoft.com/office/drawing/2010/main" xmlns="" w="9525">
                   <a:solidFill>
                     <a:srgbClr val="000000"/>
                   </a:solidFill>
@@ -19579,7 +19579,7 @@
             </a:ln>
             <a:extLst>
               <a:ext uri="{91240B29-F687-4f45-9708-019B960494DF}">
-                <a14:hiddenLine xmlns="" xmlns:a14="http://schemas.microsoft.com/office/drawing/2010/main" xmlns:p14="http://schemas.microsoft.com/office/powerpoint/2010/main" xmlns:a16="http://schemas.microsoft.com/office/drawing/2014/main" w="9525">
+                <a14:hiddenLine xmlns:a16="http://schemas.microsoft.com/office/drawing/2014/main" xmlns:p14="http://schemas.microsoft.com/office/powerpoint/2010/main" xmlns:a14="http://schemas.microsoft.com/office/drawing/2010/main" xmlns="" w="9525">
                   <a:solidFill>
                     <a:srgbClr val="000000"/>
                   </a:solidFill>
@@ -19663,7 +19663,7 @@
             </a:ln>
             <a:extLst>
               <a:ext uri="{91240B29-F687-4f45-9708-019B960494DF}">
-                <a14:hiddenLine xmlns="" xmlns:a14="http://schemas.microsoft.com/office/drawing/2010/main" xmlns:p14="http://schemas.microsoft.com/office/powerpoint/2010/main" xmlns:a16="http://schemas.microsoft.com/office/drawing/2014/main" w="9525">
+                <a14:hiddenLine xmlns:a16="http://schemas.microsoft.com/office/drawing/2014/main" xmlns:p14="http://schemas.microsoft.com/office/powerpoint/2010/main" xmlns:a14="http://schemas.microsoft.com/office/drawing/2010/main" xmlns="" w="9525">
                   <a:solidFill>
                     <a:srgbClr val="000000"/>
                   </a:solidFill>
@@ -19775,7 +19775,7 @@
             </a:ln>
             <a:extLst>
               <a:ext uri="{91240B29-F687-4f45-9708-019B960494DF}">
-                <a14:hiddenLine xmlns="" xmlns:a14="http://schemas.microsoft.com/office/drawing/2010/main" xmlns:p14="http://schemas.microsoft.com/office/powerpoint/2010/main" xmlns:a16="http://schemas.microsoft.com/office/drawing/2014/main" w="9525">
+                <a14:hiddenLine xmlns:a16="http://schemas.microsoft.com/office/drawing/2014/main" xmlns:p14="http://schemas.microsoft.com/office/powerpoint/2010/main" xmlns:a14="http://schemas.microsoft.com/office/drawing/2010/main" xmlns="" w="9525">
                   <a:solidFill>
                     <a:srgbClr val="000000"/>
                   </a:solidFill>
@@ -19887,7 +19887,7 @@
             </a:ln>
             <a:extLst>
               <a:ext uri="{91240B29-F687-4f45-9708-019B960494DF}">
-                <a14:hiddenLine xmlns="" xmlns:a14="http://schemas.microsoft.com/office/drawing/2010/main" xmlns:p14="http://schemas.microsoft.com/office/powerpoint/2010/main" xmlns:a16="http://schemas.microsoft.com/office/drawing/2014/main" w="9525">
+                <a14:hiddenLine xmlns:a16="http://schemas.microsoft.com/office/drawing/2014/main" xmlns:p14="http://schemas.microsoft.com/office/powerpoint/2010/main" xmlns:a14="http://schemas.microsoft.com/office/drawing/2010/main" xmlns="" w="9525">
                   <a:solidFill>
                     <a:srgbClr val="000000"/>
                   </a:solidFill>
@@ -19971,7 +19971,7 @@
             </a:ln>
             <a:extLst>
               <a:ext uri="{91240B29-F687-4f45-9708-019B960494DF}">
-                <a14:hiddenLine xmlns="" xmlns:a14="http://schemas.microsoft.com/office/drawing/2010/main" xmlns:p14="http://schemas.microsoft.com/office/powerpoint/2010/main" xmlns:a16="http://schemas.microsoft.com/office/drawing/2014/main" w="9525">
+                <a14:hiddenLine xmlns:a16="http://schemas.microsoft.com/office/drawing/2014/main" xmlns:p14="http://schemas.microsoft.com/office/powerpoint/2010/main" xmlns:a14="http://schemas.microsoft.com/office/drawing/2010/main" xmlns="" w="9525">
                   <a:solidFill>
                     <a:srgbClr val="000000"/>
                   </a:solidFill>
@@ -20083,7 +20083,7 @@
             </a:ln>
             <a:extLst>
               <a:ext uri="{91240B29-F687-4f45-9708-019B960494DF}">
-                <a14:hiddenLine xmlns="" xmlns:a14="http://schemas.microsoft.com/office/drawing/2010/main" xmlns:p14="http://schemas.microsoft.com/office/powerpoint/2010/main" xmlns:a16="http://schemas.microsoft.com/office/drawing/2014/main" w="9525">
+                <a14:hiddenLine xmlns:a16="http://schemas.microsoft.com/office/drawing/2014/main" xmlns:p14="http://schemas.microsoft.com/office/powerpoint/2010/main" xmlns:a14="http://schemas.microsoft.com/office/drawing/2010/main" xmlns="" w="9525">
                   <a:solidFill>
                     <a:srgbClr val="000000"/>
                   </a:solidFill>
@@ -20195,7 +20195,7 @@
             </a:ln>
             <a:extLst>
               <a:ext uri="{91240B29-F687-4f45-9708-019B960494DF}">
-                <a14:hiddenLine xmlns="" xmlns:a14="http://schemas.microsoft.com/office/drawing/2010/main" xmlns:p14="http://schemas.microsoft.com/office/powerpoint/2010/main" xmlns:a16="http://schemas.microsoft.com/office/drawing/2014/main" w="9525">
+                <a14:hiddenLine xmlns:a16="http://schemas.microsoft.com/office/drawing/2014/main" xmlns:p14="http://schemas.microsoft.com/office/powerpoint/2010/main" xmlns:a14="http://schemas.microsoft.com/office/drawing/2010/main" xmlns="" w="9525">
                   <a:solidFill>
                     <a:srgbClr val="000000"/>
                   </a:solidFill>
@@ -20273,7 +20273,7 @@
             </a:ln>
             <a:extLst>
               <a:ext uri="{91240B29-F687-4f45-9708-019B960494DF}">
-                <a14:hiddenLine xmlns="" xmlns:a14="http://schemas.microsoft.com/office/drawing/2010/main" xmlns:p14="http://schemas.microsoft.com/office/powerpoint/2010/main" xmlns:a16="http://schemas.microsoft.com/office/drawing/2014/main" w="9525">
+                <a14:hiddenLine xmlns:a16="http://schemas.microsoft.com/office/drawing/2014/main" xmlns:p14="http://schemas.microsoft.com/office/powerpoint/2010/main" xmlns:a14="http://schemas.microsoft.com/office/drawing/2010/main" xmlns="" w="9525">
                   <a:solidFill>
                     <a:srgbClr val="000000"/>
                   </a:solidFill>
@@ -20385,7 +20385,7 @@
             </a:ln>
             <a:extLst>
               <a:ext uri="{91240B29-F687-4f45-9708-019B960494DF}">
-                <a14:hiddenLine xmlns="" xmlns:a14="http://schemas.microsoft.com/office/drawing/2010/main" xmlns:p14="http://schemas.microsoft.com/office/powerpoint/2010/main" xmlns:a16="http://schemas.microsoft.com/office/drawing/2014/main" w="9525">
+                <a14:hiddenLine xmlns:a16="http://schemas.microsoft.com/office/drawing/2014/main" xmlns:p14="http://schemas.microsoft.com/office/powerpoint/2010/main" xmlns:a14="http://schemas.microsoft.com/office/drawing/2010/main" xmlns="" w="9525">
                   <a:solidFill>
                     <a:srgbClr val="000000"/>
                   </a:solidFill>
@@ -20463,7 +20463,7 @@
             </a:ln>
             <a:extLst>
               <a:ext uri="{91240B29-F687-4f45-9708-019B960494DF}">
-                <a14:hiddenLine xmlns="" xmlns:a14="http://schemas.microsoft.com/office/drawing/2010/main" xmlns:p14="http://schemas.microsoft.com/office/powerpoint/2010/main" xmlns:a16="http://schemas.microsoft.com/office/drawing/2014/main" w="9525">
+                <a14:hiddenLine xmlns:a16="http://schemas.microsoft.com/office/drawing/2014/main" xmlns:p14="http://schemas.microsoft.com/office/powerpoint/2010/main" xmlns:a14="http://schemas.microsoft.com/office/drawing/2010/main" xmlns="" w="9525">
                   <a:solidFill>
                     <a:srgbClr val="000000"/>
                   </a:solidFill>
@@ -20575,7 +20575,7 @@
             </a:ln>
             <a:extLst>
               <a:ext uri="{91240B29-F687-4f45-9708-019B960494DF}">
-                <a14:hiddenLine xmlns="" xmlns:a14="http://schemas.microsoft.com/office/drawing/2010/main" xmlns:p14="http://schemas.microsoft.com/office/powerpoint/2010/main" xmlns:a16="http://schemas.microsoft.com/office/drawing/2014/main" w="9525">
+                <a14:hiddenLine xmlns:a16="http://schemas.microsoft.com/office/drawing/2014/main" xmlns:p14="http://schemas.microsoft.com/office/powerpoint/2010/main" xmlns:a14="http://schemas.microsoft.com/office/drawing/2010/main" xmlns="" w="9525">
                   <a:solidFill>
                     <a:srgbClr val="000000"/>
                   </a:solidFill>
@@ -20665,7 +20665,7 @@
             </a:ln>
             <a:extLst>
               <a:ext uri="{91240B29-F687-4f45-9708-019B960494DF}">
-                <a14:hiddenLine xmlns="" xmlns:a14="http://schemas.microsoft.com/office/drawing/2010/main" xmlns:p14="http://schemas.microsoft.com/office/powerpoint/2010/main" xmlns:a16="http://schemas.microsoft.com/office/drawing/2014/main" w="9525">
+                <a14:hiddenLine xmlns:a16="http://schemas.microsoft.com/office/drawing/2014/main" xmlns:p14="http://schemas.microsoft.com/office/powerpoint/2010/main" xmlns:a14="http://schemas.microsoft.com/office/drawing/2010/main" xmlns="" w="9525">
                   <a:solidFill>
                     <a:srgbClr val="000000"/>
                   </a:solidFill>
@@ -20777,7 +20777,7 @@
             </a:ln>
             <a:extLst>
               <a:ext uri="{91240B29-F687-4f45-9708-019B960494DF}">
-                <a14:hiddenLine xmlns="" xmlns:a14="http://schemas.microsoft.com/office/drawing/2010/main" xmlns:p14="http://schemas.microsoft.com/office/powerpoint/2010/main" xmlns:a16="http://schemas.microsoft.com/office/drawing/2014/main" w="9525">
+                <a14:hiddenLine xmlns:a16="http://schemas.microsoft.com/office/drawing/2014/main" xmlns:p14="http://schemas.microsoft.com/office/powerpoint/2010/main" xmlns:a14="http://schemas.microsoft.com/office/drawing/2010/main" xmlns="" w="9525">
                   <a:solidFill>
                     <a:srgbClr val="000000"/>
                   </a:solidFill>
@@ -20867,7 +20867,7 @@
             </a:ln>
             <a:extLst>
               <a:ext uri="{91240B29-F687-4f45-9708-019B960494DF}">
-                <a14:hiddenLine xmlns="" xmlns:a14="http://schemas.microsoft.com/office/drawing/2010/main" xmlns:p14="http://schemas.microsoft.com/office/powerpoint/2010/main" xmlns:a16="http://schemas.microsoft.com/office/drawing/2014/main" w="9525">
+                <a14:hiddenLine xmlns:a16="http://schemas.microsoft.com/office/drawing/2014/main" xmlns:p14="http://schemas.microsoft.com/office/powerpoint/2010/main" xmlns:a14="http://schemas.microsoft.com/office/drawing/2010/main" xmlns="" w="9525">
                   <a:solidFill>
                     <a:srgbClr val="000000"/>
                   </a:solidFill>
@@ -20979,7 +20979,7 @@
             </a:ln>
             <a:extLst>
               <a:ext uri="{91240B29-F687-4f45-9708-019B960494DF}">
-                <a14:hiddenLine xmlns="" xmlns:a14="http://schemas.microsoft.com/office/drawing/2010/main" xmlns:p14="http://schemas.microsoft.com/office/powerpoint/2010/main" xmlns:a16="http://schemas.microsoft.com/office/drawing/2014/main" w="9525">
+                <a14:hiddenLine xmlns:a16="http://schemas.microsoft.com/office/drawing/2014/main" xmlns:p14="http://schemas.microsoft.com/office/powerpoint/2010/main" xmlns:a14="http://schemas.microsoft.com/office/drawing/2010/main" xmlns="" w="9525">
                   <a:solidFill>
                     <a:srgbClr val="000000"/>
                   </a:solidFill>
@@ -21035,7 +21035,7 @@
             </a:ln>
             <a:extLst>
               <a:ext uri="{91240B29-F687-4f45-9708-019B960494DF}">
-                <a14:hiddenLine xmlns="" xmlns:a14="http://schemas.microsoft.com/office/drawing/2010/main" xmlns:p14="http://schemas.microsoft.com/office/powerpoint/2010/main" xmlns:a16="http://schemas.microsoft.com/office/drawing/2014/main" w="9525">
+                <a14:hiddenLine xmlns:a16="http://schemas.microsoft.com/office/drawing/2014/main" xmlns:p14="http://schemas.microsoft.com/office/powerpoint/2010/main" xmlns:a14="http://schemas.microsoft.com/office/drawing/2010/main" xmlns="" w="9525">
                   <a:solidFill>
                     <a:srgbClr val="000000"/>
                   </a:solidFill>
@@ -21147,7 +21147,7 @@
             </a:ln>
             <a:extLst>
               <a:ext uri="{91240B29-F687-4f45-9708-019B960494DF}">
-                <a14:hiddenLine xmlns="" xmlns:a14="http://schemas.microsoft.com/office/drawing/2010/main" xmlns:p14="http://schemas.microsoft.com/office/powerpoint/2010/main" xmlns:a16="http://schemas.microsoft.com/office/drawing/2014/main" w="9525">
+                <a14:hiddenLine xmlns:a16="http://schemas.microsoft.com/office/drawing/2014/main" xmlns:p14="http://schemas.microsoft.com/office/powerpoint/2010/main" xmlns:a14="http://schemas.microsoft.com/office/drawing/2010/main" xmlns="" w="9525">
                   <a:solidFill>
                     <a:srgbClr val="000000"/>
                   </a:solidFill>
@@ -21231,7 +21231,7 @@
             </a:ln>
             <a:extLst>
               <a:ext uri="{91240B29-F687-4f45-9708-019B960494DF}">
-                <a14:hiddenLine xmlns="" xmlns:a14="http://schemas.microsoft.com/office/drawing/2010/main" xmlns:p14="http://schemas.microsoft.com/office/powerpoint/2010/main" xmlns:a16="http://schemas.microsoft.com/office/drawing/2014/main" w="9525">
+                <a14:hiddenLine xmlns:a16="http://schemas.microsoft.com/office/drawing/2014/main" xmlns:p14="http://schemas.microsoft.com/office/powerpoint/2010/main" xmlns:a14="http://schemas.microsoft.com/office/drawing/2010/main" xmlns="" w="9525">
                   <a:solidFill>
                     <a:srgbClr val="000000"/>
                   </a:solidFill>
@@ -21315,7 +21315,7 @@
             </a:ln>
             <a:extLst>
               <a:ext uri="{91240B29-F687-4f45-9708-019B960494DF}">
-                <a14:hiddenLine xmlns="" xmlns:a14="http://schemas.microsoft.com/office/drawing/2010/main" xmlns:p14="http://schemas.microsoft.com/office/powerpoint/2010/main" xmlns:a16="http://schemas.microsoft.com/office/drawing/2014/main" w="9525">
+                <a14:hiddenLine xmlns:a16="http://schemas.microsoft.com/office/drawing/2014/main" xmlns:p14="http://schemas.microsoft.com/office/powerpoint/2010/main" xmlns:a14="http://schemas.microsoft.com/office/drawing/2010/main" xmlns="" w="9525">
                   <a:solidFill>
                     <a:srgbClr val="000000"/>
                   </a:solidFill>
@@ -21427,7 +21427,7 @@
             </a:ln>
             <a:extLst>
               <a:ext uri="{91240B29-F687-4f45-9708-019B960494DF}">
-                <a14:hiddenLine xmlns="" xmlns:a14="http://schemas.microsoft.com/office/drawing/2010/main" xmlns:p14="http://schemas.microsoft.com/office/powerpoint/2010/main" xmlns:a16="http://schemas.microsoft.com/office/drawing/2014/main" w="9525">
+                <a14:hiddenLine xmlns:a16="http://schemas.microsoft.com/office/drawing/2014/main" xmlns:p14="http://schemas.microsoft.com/office/powerpoint/2010/main" xmlns:a14="http://schemas.microsoft.com/office/drawing/2010/main" xmlns="" w="9525">
                   <a:solidFill>
                     <a:srgbClr val="000000"/>
                   </a:solidFill>
@@ -21517,7 +21517,7 @@
             </a:ln>
             <a:extLst>
               <a:ext uri="{91240B29-F687-4f45-9708-019B960494DF}">
-                <a14:hiddenLine xmlns="" xmlns:a14="http://schemas.microsoft.com/office/drawing/2010/main" xmlns:p14="http://schemas.microsoft.com/office/powerpoint/2010/main" xmlns:a16="http://schemas.microsoft.com/office/drawing/2014/main" w="9525">
+                <a14:hiddenLine xmlns:a16="http://schemas.microsoft.com/office/drawing/2014/main" xmlns:p14="http://schemas.microsoft.com/office/powerpoint/2010/main" xmlns:a14="http://schemas.microsoft.com/office/drawing/2010/main" xmlns="" w="9525">
                   <a:solidFill>
                     <a:srgbClr val="000000"/>
                   </a:solidFill>
@@ -21601,7 +21601,7 @@
             </a:ln>
             <a:extLst>
               <a:ext uri="{91240B29-F687-4f45-9708-019B960494DF}">
-                <a14:hiddenLine xmlns="" xmlns:a14="http://schemas.microsoft.com/office/drawing/2010/main" xmlns:p14="http://schemas.microsoft.com/office/powerpoint/2010/main" xmlns:a16="http://schemas.microsoft.com/office/drawing/2014/main" w="9525">
+                <a14:hiddenLine xmlns:a16="http://schemas.microsoft.com/office/drawing/2014/main" xmlns:p14="http://schemas.microsoft.com/office/powerpoint/2010/main" xmlns:a14="http://schemas.microsoft.com/office/drawing/2010/main" xmlns="" w="9525">
                   <a:solidFill>
                     <a:srgbClr val="000000"/>
                   </a:solidFill>
@@ -21713,7 +21713,7 @@
             </a:ln>
             <a:extLst>
               <a:ext uri="{91240B29-F687-4f45-9708-019B960494DF}">
-                <a14:hiddenLine xmlns="" xmlns:a14="http://schemas.microsoft.com/office/drawing/2010/main" xmlns:p14="http://schemas.microsoft.com/office/powerpoint/2010/main" xmlns:a16="http://schemas.microsoft.com/office/drawing/2014/main" w="9525">
+                <a14:hiddenLine xmlns:a16="http://schemas.microsoft.com/office/drawing/2014/main" xmlns:p14="http://schemas.microsoft.com/office/powerpoint/2010/main" xmlns:a14="http://schemas.microsoft.com/office/drawing/2010/main" xmlns="" w="9525">
                   <a:solidFill>
                     <a:srgbClr val="000000"/>
                   </a:solidFill>
@@ -21797,7 +21797,7 @@
             </a:ln>
             <a:extLst>
               <a:ext uri="{91240B29-F687-4f45-9708-019B960494DF}">
-                <a14:hiddenLine xmlns="" xmlns:a14="http://schemas.microsoft.com/office/drawing/2010/main" xmlns:p14="http://schemas.microsoft.com/office/powerpoint/2010/main" xmlns:a16="http://schemas.microsoft.com/office/drawing/2014/main" w="9525">
+                <a14:hiddenLine xmlns:a16="http://schemas.microsoft.com/office/drawing/2014/main" xmlns:p14="http://schemas.microsoft.com/office/powerpoint/2010/main" xmlns:a14="http://schemas.microsoft.com/office/drawing/2010/main" xmlns="" w="9525">
                   <a:solidFill>
                     <a:srgbClr val="000000"/>
                   </a:solidFill>
@@ -21909,7 +21909,7 @@
             </a:ln>
             <a:extLst>
               <a:ext uri="{91240B29-F687-4f45-9708-019B960494DF}">
-                <a14:hiddenLine xmlns="" xmlns:a14="http://schemas.microsoft.com/office/drawing/2010/main" xmlns:p14="http://schemas.microsoft.com/office/powerpoint/2010/main" xmlns:a16="http://schemas.microsoft.com/office/drawing/2014/main" w="9525">
+                <a14:hiddenLine xmlns:a16="http://schemas.microsoft.com/office/drawing/2014/main" xmlns:p14="http://schemas.microsoft.com/office/powerpoint/2010/main" xmlns:a14="http://schemas.microsoft.com/office/drawing/2010/main" xmlns="" w="9525">
                   <a:solidFill>
                     <a:srgbClr val="000000"/>
                   </a:solidFill>
@@ -21993,7 +21993,7 @@
             </a:ln>
             <a:extLst>
               <a:ext uri="{91240B29-F687-4f45-9708-019B960494DF}">
-                <a14:hiddenLine xmlns="" xmlns:a14="http://schemas.microsoft.com/office/drawing/2010/main" xmlns:p14="http://schemas.microsoft.com/office/powerpoint/2010/main" xmlns:a16="http://schemas.microsoft.com/office/drawing/2014/main" w="9525">
+                <a14:hiddenLine xmlns:a16="http://schemas.microsoft.com/office/drawing/2014/main" xmlns:p14="http://schemas.microsoft.com/office/powerpoint/2010/main" xmlns:a14="http://schemas.microsoft.com/office/drawing/2010/main" xmlns="" w="9525">
                   <a:solidFill>
                     <a:srgbClr val="000000"/>
                   </a:solidFill>
@@ -22105,7 +22105,7 @@
             </a:ln>
             <a:extLst>
               <a:ext uri="{91240B29-F687-4f45-9708-019B960494DF}">
-                <a14:hiddenLine xmlns="" xmlns:a14="http://schemas.microsoft.com/office/drawing/2010/main" xmlns:p14="http://schemas.microsoft.com/office/powerpoint/2010/main" xmlns:a16="http://schemas.microsoft.com/office/drawing/2014/main" w="9525">
+                <a14:hiddenLine xmlns:a16="http://schemas.microsoft.com/office/drawing/2014/main" xmlns:p14="http://schemas.microsoft.com/office/powerpoint/2010/main" xmlns:a14="http://schemas.microsoft.com/office/drawing/2010/main" xmlns="" w="9525">
                   <a:solidFill>
                     <a:srgbClr val="000000"/>
                   </a:solidFill>
@@ -22161,7 +22161,7 @@
             </a:ln>
             <a:extLst>
               <a:ext uri="{91240B29-F687-4f45-9708-019B960494DF}">
-                <a14:hiddenLine xmlns="" xmlns:a14="http://schemas.microsoft.com/office/drawing/2010/main" xmlns:p14="http://schemas.microsoft.com/office/powerpoint/2010/main" xmlns:a16="http://schemas.microsoft.com/office/drawing/2014/main" w="9525">
+                <a14:hiddenLine xmlns:a16="http://schemas.microsoft.com/office/drawing/2014/main" xmlns:p14="http://schemas.microsoft.com/office/powerpoint/2010/main" xmlns:a14="http://schemas.microsoft.com/office/drawing/2010/main" xmlns="" w="9525">
                   <a:solidFill>
                     <a:srgbClr val="000000"/>
                   </a:solidFill>
@@ -22248,7 +22248,7 @@
             </a:ln>
             <a:extLst>
               <a:ext uri="{91240B29-F687-4f45-9708-019B960494DF}">
-                <a14:hiddenLine xmlns="" xmlns:a14="http://schemas.microsoft.com/office/drawing/2010/main" xmlns:p14="http://schemas.microsoft.com/office/powerpoint/2010/main" xmlns:a16="http://schemas.microsoft.com/office/drawing/2014/main" w="9525">
+                <a14:hiddenLine xmlns:a16="http://schemas.microsoft.com/office/drawing/2014/main" xmlns:p14="http://schemas.microsoft.com/office/powerpoint/2010/main" xmlns:a14="http://schemas.microsoft.com/office/drawing/2010/main" xmlns="" w="9525">
                   <a:solidFill>
                     <a:srgbClr val="000000"/>
                   </a:solidFill>
@@ -22360,7 +22360,7 @@
             </a:ln>
             <a:extLst>
               <a:ext uri="{91240B29-F687-4f45-9708-019B960494DF}">
-                <a14:hiddenLine xmlns="" xmlns:a14="http://schemas.microsoft.com/office/drawing/2010/main" xmlns:p14="http://schemas.microsoft.com/office/powerpoint/2010/main" xmlns:a16="http://schemas.microsoft.com/office/drawing/2014/main" w="9525">
+                <a14:hiddenLine xmlns:a16="http://schemas.microsoft.com/office/drawing/2014/main" xmlns:p14="http://schemas.microsoft.com/office/powerpoint/2010/main" xmlns:a14="http://schemas.microsoft.com/office/drawing/2010/main" xmlns="" w="9525">
                   <a:solidFill>
                     <a:srgbClr val="000000"/>
                   </a:solidFill>
@@ -22444,7 +22444,7 @@
             </a:ln>
             <a:extLst>
               <a:ext uri="{91240B29-F687-4f45-9708-019B960494DF}">
-                <a14:hiddenLine xmlns="" xmlns:a14="http://schemas.microsoft.com/office/drawing/2010/main" xmlns:p14="http://schemas.microsoft.com/office/powerpoint/2010/main" xmlns:a16="http://schemas.microsoft.com/office/drawing/2014/main" w="9525">
+                <a14:hiddenLine xmlns:a16="http://schemas.microsoft.com/office/drawing/2014/main" xmlns:p14="http://schemas.microsoft.com/office/powerpoint/2010/main" xmlns:a14="http://schemas.microsoft.com/office/drawing/2010/main" xmlns="" w="9525">
                   <a:solidFill>
                     <a:srgbClr val="000000"/>
                   </a:solidFill>
@@ -22556,7 +22556,7 @@
             </a:ln>
             <a:extLst>
               <a:ext uri="{91240B29-F687-4f45-9708-019B960494DF}">
-                <a14:hiddenLine xmlns="" xmlns:a14="http://schemas.microsoft.com/office/drawing/2010/main" xmlns:p14="http://schemas.microsoft.com/office/powerpoint/2010/main" xmlns:a16="http://schemas.microsoft.com/office/drawing/2014/main" w="9525">
+                <a14:hiddenLine xmlns:a16="http://schemas.microsoft.com/office/drawing/2014/main" xmlns:p14="http://schemas.microsoft.com/office/powerpoint/2010/main" xmlns:a14="http://schemas.microsoft.com/office/drawing/2010/main" xmlns="" w="9525">
                   <a:solidFill>
                     <a:srgbClr val="000000"/>
                   </a:solidFill>
@@ -22668,7 +22668,7 @@
             </a:ln>
             <a:extLst>
               <a:ext uri="{91240B29-F687-4f45-9708-019B960494DF}">
-                <a14:hiddenLine xmlns="" xmlns:a14="http://schemas.microsoft.com/office/drawing/2010/main" xmlns:p14="http://schemas.microsoft.com/office/powerpoint/2010/main" xmlns:a16="http://schemas.microsoft.com/office/drawing/2014/main" w="9525">
+                <a14:hiddenLine xmlns:a16="http://schemas.microsoft.com/office/drawing/2014/main" xmlns:p14="http://schemas.microsoft.com/office/powerpoint/2010/main" xmlns:a14="http://schemas.microsoft.com/office/drawing/2010/main" xmlns="" w="9525">
                   <a:solidFill>
                     <a:srgbClr val="000000"/>
                   </a:solidFill>
@@ -22755,7 +22755,7 @@
             </a:ln>
             <a:extLst>
               <a:ext uri="{91240B29-F687-4f45-9708-019B960494DF}">
-                <a14:hiddenLine xmlns="" xmlns:a14="http://schemas.microsoft.com/office/drawing/2010/main" xmlns:p14="http://schemas.microsoft.com/office/powerpoint/2010/main" xmlns:a16="http://schemas.microsoft.com/office/drawing/2014/main" w="9525">
+                <a14:hiddenLine xmlns:a16="http://schemas.microsoft.com/office/drawing/2014/main" xmlns:p14="http://schemas.microsoft.com/office/powerpoint/2010/main" xmlns:a14="http://schemas.microsoft.com/office/drawing/2010/main" xmlns="" w="9525">
                   <a:solidFill>
                     <a:srgbClr val="000000"/>
                   </a:solidFill>
@@ -22839,7 +22839,7 @@
             </a:ln>
             <a:extLst>
               <a:ext uri="{91240B29-F687-4f45-9708-019B960494DF}">
-                <a14:hiddenLine xmlns="" xmlns:a14="http://schemas.microsoft.com/office/drawing/2010/main" xmlns:p14="http://schemas.microsoft.com/office/powerpoint/2010/main" xmlns:a16="http://schemas.microsoft.com/office/drawing/2014/main" w="9525">
+                <a14:hiddenLine xmlns:a16="http://schemas.microsoft.com/office/drawing/2014/main" xmlns:p14="http://schemas.microsoft.com/office/powerpoint/2010/main" xmlns:a14="http://schemas.microsoft.com/office/drawing/2010/main" xmlns="" w="9525">
                   <a:solidFill>
                     <a:srgbClr val="000000"/>
                   </a:solidFill>
@@ -22951,7 +22951,7 @@
             </a:ln>
             <a:extLst>
               <a:ext uri="{91240B29-F687-4f45-9708-019B960494DF}">
-                <a14:hiddenLine xmlns="" xmlns:a14="http://schemas.microsoft.com/office/drawing/2010/main" xmlns:p14="http://schemas.microsoft.com/office/powerpoint/2010/main" xmlns:a16="http://schemas.microsoft.com/office/drawing/2014/main" w="9525">
+                <a14:hiddenLine xmlns:a16="http://schemas.microsoft.com/office/drawing/2014/main" xmlns:p14="http://schemas.microsoft.com/office/powerpoint/2010/main" xmlns:a14="http://schemas.microsoft.com/office/drawing/2010/main" xmlns="" w="9525">
                   <a:solidFill>
                     <a:srgbClr val="000000"/>
                   </a:solidFill>
@@ -23063,7 +23063,7 @@
             </a:ln>
             <a:extLst>
               <a:ext uri="{91240B29-F687-4f45-9708-019B960494DF}">
-                <a14:hiddenLine xmlns="" xmlns:a14="http://schemas.microsoft.com/office/drawing/2010/main" xmlns:p14="http://schemas.microsoft.com/office/powerpoint/2010/main" xmlns:a16="http://schemas.microsoft.com/office/drawing/2014/main" w="9525">
+                <a14:hiddenLine xmlns:a16="http://schemas.microsoft.com/office/drawing/2014/main" xmlns:p14="http://schemas.microsoft.com/office/powerpoint/2010/main" xmlns:a14="http://schemas.microsoft.com/office/drawing/2010/main" xmlns="" w="9525">
                   <a:solidFill>
                     <a:srgbClr val="000000"/>
                   </a:solidFill>
@@ -23147,7 +23147,7 @@
             </a:ln>
             <a:extLst>
               <a:ext uri="{91240B29-F687-4f45-9708-019B960494DF}">
-                <a14:hiddenLine xmlns="" xmlns:a14="http://schemas.microsoft.com/office/drawing/2010/main" xmlns:p14="http://schemas.microsoft.com/office/powerpoint/2010/main" xmlns:a16="http://schemas.microsoft.com/office/drawing/2014/main" w="9525">
+                <a14:hiddenLine xmlns:a16="http://schemas.microsoft.com/office/drawing/2014/main" xmlns:p14="http://schemas.microsoft.com/office/powerpoint/2010/main" xmlns:a14="http://schemas.microsoft.com/office/drawing/2010/main" xmlns="" w="9525">
                   <a:solidFill>
                     <a:srgbClr val="000000"/>
                   </a:solidFill>
@@ -23289,7 +23289,7 @@
             </a:ln>
             <a:extLst>
               <a:ext uri="{91240B29-F687-4f45-9708-019B960494DF}">
-                <a14:hiddenLine xmlns="" xmlns:a14="http://schemas.microsoft.com/office/drawing/2010/main" xmlns:p14="http://schemas.microsoft.com/office/powerpoint/2010/main" xmlns:a16="http://schemas.microsoft.com/office/drawing/2014/main" w="9525">
+                <a14:hiddenLine xmlns:a16="http://schemas.microsoft.com/office/drawing/2014/main" xmlns:p14="http://schemas.microsoft.com/office/powerpoint/2010/main" xmlns:a14="http://schemas.microsoft.com/office/drawing/2010/main" xmlns="" w="9525">
                   <a:solidFill>
                     <a:srgbClr val="000000"/>
                   </a:solidFill>
@@ -23379,7 +23379,7 @@
             </a:ln>
             <a:extLst>
               <a:ext uri="{91240B29-F687-4f45-9708-019B960494DF}">
-                <a14:hiddenLine xmlns="" xmlns:a14="http://schemas.microsoft.com/office/drawing/2010/main" xmlns:p14="http://schemas.microsoft.com/office/powerpoint/2010/main" xmlns:a16="http://schemas.microsoft.com/office/drawing/2014/main" w="9525">
+                <a14:hiddenLine xmlns:a16="http://schemas.microsoft.com/office/drawing/2014/main" xmlns:p14="http://schemas.microsoft.com/office/powerpoint/2010/main" xmlns:a14="http://schemas.microsoft.com/office/drawing/2010/main" xmlns="" w="9525">
                   <a:solidFill>
                     <a:srgbClr val="000000"/>
                   </a:solidFill>
@@ -23491,7 +23491,7 @@
             </a:ln>
             <a:extLst>
               <a:ext uri="{91240B29-F687-4f45-9708-019B960494DF}">
-                <a14:hiddenLine xmlns="" xmlns:a14="http://schemas.microsoft.com/office/drawing/2010/main" xmlns:p14="http://schemas.microsoft.com/office/powerpoint/2010/main" xmlns:a16="http://schemas.microsoft.com/office/drawing/2014/main" w="9525">
+                <a14:hiddenLine xmlns:a16="http://schemas.microsoft.com/office/drawing/2014/main" xmlns:p14="http://schemas.microsoft.com/office/powerpoint/2010/main" xmlns:a14="http://schemas.microsoft.com/office/drawing/2010/main" xmlns="" w="9525">
                   <a:solidFill>
                     <a:srgbClr val="000000"/>
                   </a:solidFill>
@@ -23566,7 +23566,7 @@
           <a:noFill/>
           <a:extLst>
             <a:ext uri="{909E8E84-426E-40dd-AFC4-6F175D3DCCD1}">
-              <a14:hiddenFill xmlns="" xmlns:a14="http://schemas.microsoft.com/office/drawing/2010/main" xmlns:p14="http://schemas.microsoft.com/office/powerpoint/2010/main" xmlns:a16="http://schemas.microsoft.com/office/drawing/2014/main">
+              <a14:hiddenFill xmlns:a16="http://schemas.microsoft.com/office/drawing/2014/main" xmlns:p14="http://schemas.microsoft.com/office/powerpoint/2010/main" xmlns:a14="http://schemas.microsoft.com/office/drawing/2010/main" xmlns="">
                 <a:solidFill>
                   <a:srgbClr val="FFFFFF"/>
                 </a:solidFill>
@@ -27284,7 +27284,7 @@
               <a:t>リーダー</a:t>
             </a:r>
             <a:r>
-              <a:rPr kumimoji="1" lang="en-US" altLang="ja-JP" sz="2400" dirty="0"/>
+              <a:rPr kumimoji="1" lang="en-US" altLang="ja-JP" sz="2400"/>
               <a:t>:CHI</a:t>
             </a:r>
             <a:endParaRPr kumimoji="1" lang="ja-JP" altLang="en-US" sz="2400"/>
@@ -27338,7 +27338,7 @@
               <a:t>資料責任者</a:t>
             </a:r>
             <a:r>
-              <a:rPr kumimoji="1" lang="en-US" altLang="ja-JP" sz="2400" dirty="0"/>
+              <a:rPr kumimoji="1" lang="en-US" altLang="ja-JP" sz="2400"/>
               <a:t>:</a:t>
             </a:r>
             <a:r>
@@ -27395,7 +27395,7 @@
               <a:t>プログラム責任者</a:t>
             </a:r>
             <a:r>
-              <a:rPr kumimoji="1" lang="en-US" altLang="ja-JP" sz="2400" dirty="0"/>
+              <a:rPr kumimoji="1" lang="en-US" altLang="ja-JP" sz="2400"/>
               <a:t>:</a:t>
             </a:r>
             <a:r>
@@ -28528,12 +28528,172 @@
             <p:ph idx="1"/>
           </p:nvPr>
         </p:nvSpPr>
-        <p:spPr/>
+        <p:spPr>
+          <a:xfrm>
+            <a:off x="1141412" y="1658142"/>
+            <a:ext cx="9905999" cy="4859615"/>
+          </a:xfrm>
+        </p:spPr>
         <p:txBody>
-          <a:bodyPr/>
+          <a:bodyPr>
+            <a:normAutofit/>
+          </a:bodyPr>
           <a:lstStyle/>
           <a:p>
-            <a:endParaRPr lang="ja-JP" altLang="en-US"/>
+            <a:r>
+              <a:rPr lang="en" altLang="ja-JP" sz="1400" dirty="0"/>
+              <a:t> </a:t>
+            </a:r>
+            <a:r>
+              <a:rPr lang="ja-JP" altLang="en-US" sz="1400"/>
+              <a:t>予めユーザが、</a:t>
+            </a:r>
+            <a:r>
+              <a:rPr lang="en" altLang="ja-JP" sz="1400" dirty="0"/>
+              <a:t>LINE</a:t>
+            </a:r>
+            <a:r>
+              <a:rPr lang="ja-JP" altLang="en-US" sz="1400"/>
+              <a:t>で入力した自宅の位置情報を反映する用のスプレッドシートの所定のセルを設けること</a:t>
+            </a:r>
+          </a:p>
+          <a:p>
+            <a:r>
+              <a:rPr lang="ja-JP" altLang="en-US" sz="1400"/>
+              <a:t>予めユーザが、</a:t>
+            </a:r>
+            <a:r>
+              <a:rPr lang="en" altLang="ja-JP" sz="1400" dirty="0"/>
+              <a:t>LINE</a:t>
+            </a:r>
+            <a:r>
+              <a:rPr lang="ja-JP" altLang="en-US" sz="1400"/>
+              <a:t>で入力した現在の位置情報を反映する用のスプレッドシートの所定のセルを設けること</a:t>
+            </a:r>
+          </a:p>
+          <a:p>
+            <a:r>
+              <a:rPr lang="ja-JP" altLang="en-US" sz="1400"/>
+              <a:t>帰宅ボタンを押すと、その時点での位置情報を取得して帰宅までの時間を計算する。その時間から</a:t>
+            </a:r>
+            <a:r>
+              <a:rPr lang="en-US" altLang="ja-JP" sz="1400" dirty="0"/>
+              <a:t>10</a:t>
+            </a:r>
+            <a:r>
+              <a:rPr lang="ja-JP" altLang="en-US" sz="1400"/>
+              <a:t>分引いた時間を想定時間とすること</a:t>
+            </a:r>
+          </a:p>
+          <a:p>
+            <a:r>
+              <a:rPr lang="ja-JP" altLang="en-US" sz="1400"/>
+              <a:t>気温・室温ボタンを押すと、</a:t>
+            </a:r>
+            <a:r>
+              <a:rPr lang="en" altLang="ja-JP" sz="1400" dirty="0"/>
+              <a:t>Remo3</a:t>
+            </a:r>
+            <a:r>
+              <a:rPr lang="ja-JP" altLang="en-US" sz="1400"/>
+              <a:t>を用いて温度・湿度の値を取得し、スプレッドシートに記録しておく。その値を</a:t>
+            </a:r>
+            <a:r>
+              <a:rPr lang="en" altLang="ja-JP" sz="1400" dirty="0"/>
+              <a:t>LINE</a:t>
+            </a:r>
+            <a:r>
+              <a:rPr lang="ja-JP" altLang="en-US" sz="1400"/>
+              <a:t>メッセージに通知すること</a:t>
+            </a:r>
+          </a:p>
+          <a:p>
+            <a:r>
+              <a:rPr lang="ja-JP" altLang="en-US" sz="1400"/>
+              <a:t>オンボタンを押すと、</a:t>
+            </a:r>
+            <a:r>
+              <a:rPr lang="en" altLang="ja-JP" sz="1400" dirty="0"/>
+              <a:t>Remo3</a:t>
+            </a:r>
+            <a:r>
+              <a:rPr lang="ja-JP" altLang="en-US" sz="1400"/>
+              <a:t>でエアコンをオンにすること</a:t>
+            </a:r>
+          </a:p>
+          <a:p>
+            <a:r>
+              <a:rPr lang="ja-JP" altLang="en-US" sz="1400"/>
+              <a:t>オフボタンを押すと、</a:t>
+            </a:r>
+            <a:r>
+              <a:rPr lang="en" altLang="ja-JP" sz="1400" dirty="0"/>
+              <a:t>Remo3</a:t>
+            </a:r>
+            <a:r>
+              <a:rPr lang="ja-JP" altLang="en-US" sz="1400"/>
+              <a:t>でエアコンをオフにすること</a:t>
+            </a:r>
+          </a:p>
+          <a:p>
+            <a:r>
+              <a:rPr lang="ja-JP" altLang="en-US" sz="1400"/>
+              <a:t>想定時間ごとに以下の処理を行うこと</a:t>
+            </a:r>
+          </a:p>
+          <a:p>
+            <a:r>
+              <a:rPr lang="ja-JP" altLang="en-US" sz="1400"/>
+              <a:t>ユーザの位置情報を取得すること</a:t>
+            </a:r>
+          </a:p>
+          <a:p>
+            <a:pPr lvl="1"/>
+            <a:r>
+              <a:rPr lang="ja-JP" altLang="en-US" sz="1200"/>
+              <a:t>帰宅時間を再計算すること</a:t>
+            </a:r>
+          </a:p>
+          <a:p>
+            <a:pPr lvl="1"/>
+            <a:r>
+              <a:rPr lang="ja-JP" altLang="en-US" sz="1200"/>
+              <a:t>想定時間を帰宅時間から再計算すること</a:t>
+            </a:r>
+          </a:p>
+          <a:p>
+            <a:pPr lvl="1"/>
+            <a:r>
+              <a:rPr lang="ja-JP" altLang="en-US" sz="1200"/>
+              <a:t>もし想定時間が</a:t>
+            </a:r>
+            <a:r>
+              <a:rPr lang="en-US" altLang="ja-JP" sz="1200" dirty="0"/>
+              <a:t>0</a:t>
+            </a:r>
+            <a:r>
+              <a:rPr lang="ja-JP" altLang="en-US" sz="1200"/>
+              <a:t>より小さい場合は</a:t>
+            </a:r>
+            <a:r>
+              <a:rPr lang="en" altLang="ja-JP" sz="1200" dirty="0"/>
+              <a:t>Remo3</a:t>
+            </a:r>
+            <a:r>
+              <a:rPr lang="ja-JP" altLang="en-US" sz="1200"/>
+              <a:t>でエアコンをオンにすること</a:t>
+            </a:r>
+          </a:p>
+          <a:p>
+            <a:pPr lvl="1"/>
+            <a:r>
+              <a:rPr lang="en" altLang="ja-JP" sz="1200" dirty="0"/>
+              <a:t>LINE</a:t>
+            </a:r>
+            <a:r>
+              <a:rPr lang="ja-JP" altLang="en-US" sz="1200"/>
+              <a:t>で「エアコンをオンにしました。」と通知をすること</a:t>
+            </a:r>
           </a:p>
         </p:txBody>
       </p:sp>
@@ -28824,7 +28984,7 @@
           <a:noFill/>
           <a:extLst>
             <a:ext uri="{909E8E84-426E-40dd-AFC4-6F175D3DCCD1}">
-              <a14:hiddenFill xmlns="" xmlns:a16="http://schemas.microsoft.com/office/drawing/2014/main" xmlns:p14="http://schemas.microsoft.com/office/powerpoint/2010/main" xmlns:a14="http://schemas.microsoft.com/office/drawing/2010/main">
+              <a14:hiddenFill xmlns:a14="http://schemas.microsoft.com/office/drawing/2010/main" xmlns:p14="http://schemas.microsoft.com/office/powerpoint/2010/main" xmlns:a16="http://schemas.microsoft.com/office/drawing/2014/main" xmlns="">
                 <a:solidFill>
                   <a:srgbClr val="FFFFFF"/>
                 </a:solidFill>
@@ -29176,7 +29336,7 @@
             </a:ln>
             <a:extLst>
               <a:ext uri="{91240B29-F687-4f45-9708-019B960494DF}">
-                <a14:hiddenLine xmlns="" xmlns:a16="http://schemas.microsoft.com/office/drawing/2014/main" xmlns:p14="http://schemas.microsoft.com/office/powerpoint/2010/main" xmlns:a14="http://schemas.microsoft.com/office/drawing/2010/main" w="9525">
+                <a14:hiddenLine xmlns:a14="http://schemas.microsoft.com/office/drawing/2010/main" xmlns:p14="http://schemas.microsoft.com/office/powerpoint/2010/main" xmlns:a16="http://schemas.microsoft.com/office/drawing/2014/main" xmlns="" w="9525">
                   <a:solidFill>
                     <a:srgbClr val="000000"/>
                   </a:solidFill>
@@ -29288,7 +29448,7 @@
             </a:ln>
             <a:extLst>
               <a:ext uri="{91240B29-F687-4f45-9708-019B960494DF}">
-                <a14:hiddenLine xmlns="" xmlns:a16="http://schemas.microsoft.com/office/drawing/2014/main" xmlns:p14="http://schemas.microsoft.com/office/powerpoint/2010/main" xmlns:a14="http://schemas.microsoft.com/office/drawing/2010/main" w="9525">
+                <a14:hiddenLine xmlns:a14="http://schemas.microsoft.com/office/drawing/2010/main" xmlns:p14="http://schemas.microsoft.com/office/powerpoint/2010/main" xmlns:a16="http://schemas.microsoft.com/office/drawing/2014/main" xmlns="" w="9525">
                   <a:solidFill>
                     <a:srgbClr val="000000"/>
                   </a:solidFill>
@@ -29400,7 +29560,7 @@
             </a:ln>
             <a:extLst>
               <a:ext uri="{91240B29-F687-4f45-9708-019B960494DF}">
-                <a14:hiddenLine xmlns="" xmlns:a16="http://schemas.microsoft.com/office/drawing/2014/main" xmlns:p14="http://schemas.microsoft.com/office/powerpoint/2010/main" xmlns:a14="http://schemas.microsoft.com/office/drawing/2010/main" w="9525">
+                <a14:hiddenLine xmlns:a14="http://schemas.microsoft.com/office/drawing/2010/main" xmlns:p14="http://schemas.microsoft.com/office/powerpoint/2010/main" xmlns:a16="http://schemas.microsoft.com/office/drawing/2014/main" xmlns="" w="9525">
                   <a:solidFill>
                     <a:srgbClr val="000000"/>
                   </a:solidFill>
@@ -29484,7 +29644,7 @@
             </a:ln>
             <a:extLst>
               <a:ext uri="{91240B29-F687-4f45-9708-019B960494DF}">
-                <a14:hiddenLine xmlns="" xmlns:a16="http://schemas.microsoft.com/office/drawing/2014/main" xmlns:p14="http://schemas.microsoft.com/office/powerpoint/2010/main" xmlns:a14="http://schemas.microsoft.com/office/drawing/2010/main" w="9525">
+                <a14:hiddenLine xmlns:a14="http://schemas.microsoft.com/office/drawing/2010/main" xmlns:p14="http://schemas.microsoft.com/office/powerpoint/2010/main" xmlns:a16="http://schemas.microsoft.com/office/drawing/2014/main" xmlns="" w="9525">
                   <a:solidFill>
                     <a:srgbClr val="000000"/>
                   </a:solidFill>
@@ -29596,7 +29756,7 @@
             </a:ln>
             <a:extLst>
               <a:ext uri="{91240B29-F687-4f45-9708-019B960494DF}">
-                <a14:hiddenLine xmlns="" xmlns:a16="http://schemas.microsoft.com/office/drawing/2014/main" xmlns:p14="http://schemas.microsoft.com/office/powerpoint/2010/main" xmlns:a14="http://schemas.microsoft.com/office/drawing/2010/main" w="9525">
+                <a14:hiddenLine xmlns:a14="http://schemas.microsoft.com/office/drawing/2010/main" xmlns:p14="http://schemas.microsoft.com/office/powerpoint/2010/main" xmlns:a16="http://schemas.microsoft.com/office/drawing/2014/main" xmlns="" w="9525">
                   <a:solidFill>
                     <a:srgbClr val="000000"/>
                   </a:solidFill>
@@ -29680,7 +29840,7 @@
             </a:ln>
             <a:extLst>
               <a:ext uri="{91240B29-F687-4f45-9708-019B960494DF}">
-                <a14:hiddenLine xmlns="" xmlns:a16="http://schemas.microsoft.com/office/drawing/2014/main" xmlns:p14="http://schemas.microsoft.com/office/powerpoint/2010/main" xmlns:a14="http://schemas.microsoft.com/office/drawing/2010/main" w="9525">
+                <a14:hiddenLine xmlns:a14="http://schemas.microsoft.com/office/drawing/2010/main" xmlns:p14="http://schemas.microsoft.com/office/powerpoint/2010/main" xmlns:a16="http://schemas.microsoft.com/office/drawing/2014/main" xmlns="" w="9525">
                   <a:solidFill>
                     <a:srgbClr val="000000"/>
                   </a:solidFill>
@@ -29764,7 +29924,7 @@
             </a:ln>
             <a:extLst>
               <a:ext uri="{91240B29-F687-4f45-9708-019B960494DF}">
-                <a14:hiddenLine xmlns="" xmlns:a16="http://schemas.microsoft.com/office/drawing/2014/main" xmlns:p14="http://schemas.microsoft.com/office/powerpoint/2010/main" xmlns:a14="http://schemas.microsoft.com/office/drawing/2010/main" w="9525">
+                <a14:hiddenLine xmlns:a14="http://schemas.microsoft.com/office/drawing/2010/main" xmlns:p14="http://schemas.microsoft.com/office/powerpoint/2010/main" xmlns:a16="http://schemas.microsoft.com/office/drawing/2014/main" xmlns="" w="9525">
                   <a:solidFill>
                     <a:srgbClr val="000000"/>
                   </a:solidFill>
@@ -29876,7 +30036,7 @@
             </a:ln>
             <a:extLst>
               <a:ext uri="{91240B29-F687-4f45-9708-019B960494DF}">
-                <a14:hiddenLine xmlns="" xmlns:a16="http://schemas.microsoft.com/office/drawing/2014/main" xmlns:p14="http://schemas.microsoft.com/office/powerpoint/2010/main" xmlns:a14="http://schemas.microsoft.com/office/drawing/2010/main" w="9525">
+                <a14:hiddenLine xmlns:a14="http://schemas.microsoft.com/office/drawing/2010/main" xmlns:p14="http://schemas.microsoft.com/office/powerpoint/2010/main" xmlns:a16="http://schemas.microsoft.com/office/drawing/2014/main" xmlns="" w="9525">
                   <a:solidFill>
                     <a:srgbClr val="000000"/>
                   </a:solidFill>
@@ -29988,7 +30148,7 @@
             </a:ln>
             <a:extLst>
               <a:ext uri="{91240B29-F687-4f45-9708-019B960494DF}">
-                <a14:hiddenLine xmlns="" xmlns:a16="http://schemas.microsoft.com/office/drawing/2014/main" xmlns:p14="http://schemas.microsoft.com/office/powerpoint/2010/main" xmlns:a14="http://schemas.microsoft.com/office/drawing/2010/main" w="9525">
+                <a14:hiddenLine xmlns:a14="http://schemas.microsoft.com/office/drawing/2010/main" xmlns:p14="http://schemas.microsoft.com/office/powerpoint/2010/main" xmlns:a16="http://schemas.microsoft.com/office/drawing/2014/main" xmlns="" w="9525">
                   <a:solidFill>
                     <a:srgbClr val="000000"/>
                   </a:solidFill>
@@ -30072,7 +30232,7 @@
             </a:ln>
             <a:extLst>
               <a:ext uri="{91240B29-F687-4f45-9708-019B960494DF}">
-                <a14:hiddenLine xmlns="" xmlns:a16="http://schemas.microsoft.com/office/drawing/2014/main" xmlns:p14="http://schemas.microsoft.com/office/powerpoint/2010/main" xmlns:a14="http://schemas.microsoft.com/office/drawing/2010/main" w="9525">
+                <a14:hiddenLine xmlns:a14="http://schemas.microsoft.com/office/drawing/2010/main" xmlns:p14="http://schemas.microsoft.com/office/powerpoint/2010/main" xmlns:a16="http://schemas.microsoft.com/office/drawing/2014/main" xmlns="" w="9525">
                   <a:solidFill>
                     <a:srgbClr val="000000"/>
                   </a:solidFill>
@@ -30204,7 +30364,7 @@
             </a:ln>
             <a:extLst>
               <a:ext uri="{91240B29-F687-4f45-9708-019B960494DF}">
-                <a14:hiddenLine xmlns="" xmlns:a16="http://schemas.microsoft.com/office/drawing/2014/main" xmlns:p14="http://schemas.microsoft.com/office/powerpoint/2010/main" xmlns:a14="http://schemas.microsoft.com/office/drawing/2010/main" w="9525">
+                <a14:hiddenLine xmlns:a14="http://schemas.microsoft.com/office/drawing/2010/main" xmlns:p14="http://schemas.microsoft.com/office/powerpoint/2010/main" xmlns:a16="http://schemas.microsoft.com/office/drawing/2014/main" xmlns="" w="9525">
                   <a:solidFill>
                     <a:srgbClr val="000000"/>
                   </a:solidFill>
@@ -30332,7 +30492,7 @@
             </a:ln>
             <a:extLst>
               <a:ext uri="{91240B29-F687-4f45-9708-019B960494DF}">
-                <a14:hiddenLine xmlns="" xmlns:a16="http://schemas.microsoft.com/office/drawing/2014/main" xmlns:p14="http://schemas.microsoft.com/office/powerpoint/2010/main" xmlns:a14="http://schemas.microsoft.com/office/drawing/2010/main" w="9525">
+                <a14:hiddenLine xmlns:a14="http://schemas.microsoft.com/office/drawing/2010/main" xmlns:p14="http://schemas.microsoft.com/office/powerpoint/2010/main" xmlns:a16="http://schemas.microsoft.com/office/drawing/2014/main" xmlns="" w="9525">
                   <a:solidFill>
                     <a:srgbClr val="000000"/>
                   </a:solidFill>
@@ -30416,7 +30576,7 @@
             </a:ln>
             <a:extLst>
               <a:ext uri="{91240B29-F687-4f45-9708-019B960494DF}">
-                <a14:hiddenLine xmlns="" xmlns:a16="http://schemas.microsoft.com/office/drawing/2014/main" xmlns:p14="http://schemas.microsoft.com/office/powerpoint/2010/main" xmlns:a14="http://schemas.microsoft.com/office/drawing/2010/main" w="9525">
+                <a14:hiddenLine xmlns:a14="http://schemas.microsoft.com/office/drawing/2010/main" xmlns:p14="http://schemas.microsoft.com/office/powerpoint/2010/main" xmlns:a16="http://schemas.microsoft.com/office/drawing/2014/main" xmlns="" w="9525">
                   <a:solidFill>
                     <a:srgbClr val="000000"/>
                   </a:solidFill>
@@ -30500,7 +30660,7 @@
             </a:ln>
             <a:extLst>
               <a:ext uri="{91240B29-F687-4f45-9708-019B960494DF}">
-                <a14:hiddenLine xmlns="" xmlns:a16="http://schemas.microsoft.com/office/drawing/2014/main" xmlns:p14="http://schemas.microsoft.com/office/powerpoint/2010/main" xmlns:a14="http://schemas.microsoft.com/office/drawing/2010/main" w="9525">
+                <a14:hiddenLine xmlns:a14="http://schemas.microsoft.com/office/drawing/2010/main" xmlns:p14="http://schemas.microsoft.com/office/powerpoint/2010/main" xmlns:a16="http://schemas.microsoft.com/office/drawing/2014/main" xmlns="" w="9525">
                   <a:solidFill>
                     <a:srgbClr val="000000"/>
                   </a:solidFill>
@@ -30612,7 +30772,7 @@
             </a:ln>
             <a:extLst>
               <a:ext uri="{91240B29-F687-4f45-9708-019B960494DF}">
-                <a14:hiddenLine xmlns="" xmlns:a16="http://schemas.microsoft.com/office/drawing/2014/main" xmlns:p14="http://schemas.microsoft.com/office/powerpoint/2010/main" xmlns:a14="http://schemas.microsoft.com/office/drawing/2010/main" w="9525">
+                <a14:hiddenLine xmlns:a14="http://schemas.microsoft.com/office/drawing/2010/main" xmlns:p14="http://schemas.microsoft.com/office/powerpoint/2010/main" xmlns:a16="http://schemas.microsoft.com/office/drawing/2014/main" xmlns="" w="9525">
                   <a:solidFill>
                     <a:srgbClr val="000000"/>
                   </a:solidFill>
@@ -30668,7 +30828,7 @@
             </a:ln>
             <a:extLst>
               <a:ext uri="{91240B29-F687-4f45-9708-019B960494DF}">
-                <a14:hiddenLine xmlns="" xmlns:a16="http://schemas.microsoft.com/office/drawing/2014/main" xmlns:p14="http://schemas.microsoft.com/office/powerpoint/2010/main" xmlns:a14="http://schemas.microsoft.com/office/drawing/2010/main" w="9525">
+                <a14:hiddenLine xmlns:a14="http://schemas.microsoft.com/office/drawing/2010/main" xmlns:p14="http://schemas.microsoft.com/office/powerpoint/2010/main" xmlns:a16="http://schemas.microsoft.com/office/drawing/2014/main" xmlns="" w="9525">
                   <a:solidFill>
                     <a:srgbClr val="000000"/>
                   </a:solidFill>
@@ -30755,7 +30915,7 @@
             </a:ln>
             <a:extLst>
               <a:ext uri="{91240B29-F687-4f45-9708-019B960494DF}">
-                <a14:hiddenLine xmlns="" xmlns:a16="http://schemas.microsoft.com/office/drawing/2014/main" xmlns:p14="http://schemas.microsoft.com/office/powerpoint/2010/main" xmlns:a14="http://schemas.microsoft.com/office/drawing/2010/main" w="9525">
+                <a14:hiddenLine xmlns:a14="http://schemas.microsoft.com/office/drawing/2010/main" xmlns:p14="http://schemas.microsoft.com/office/powerpoint/2010/main" xmlns:a16="http://schemas.microsoft.com/office/drawing/2014/main" xmlns="" w="9525">
                   <a:solidFill>
                     <a:srgbClr val="000000"/>
                   </a:solidFill>
@@ -30867,7 +31027,7 @@
             </a:ln>
             <a:extLst>
               <a:ext uri="{91240B29-F687-4f45-9708-019B960494DF}">
-                <a14:hiddenLine xmlns="" xmlns:a16="http://schemas.microsoft.com/office/drawing/2014/main" xmlns:p14="http://schemas.microsoft.com/office/powerpoint/2010/main" xmlns:a14="http://schemas.microsoft.com/office/drawing/2010/main" w="9525">
+                <a14:hiddenLine xmlns:a14="http://schemas.microsoft.com/office/drawing/2010/main" xmlns:p14="http://schemas.microsoft.com/office/powerpoint/2010/main" xmlns:a16="http://schemas.microsoft.com/office/drawing/2014/main" xmlns="" w="9525">
                   <a:solidFill>
                     <a:srgbClr val="000000"/>
                   </a:solidFill>
@@ -30951,7 +31111,7 @@
             </a:ln>
             <a:extLst>
               <a:ext uri="{91240B29-F687-4f45-9708-019B960494DF}">
-                <a14:hiddenLine xmlns="" xmlns:a16="http://schemas.microsoft.com/office/drawing/2014/main" xmlns:p14="http://schemas.microsoft.com/office/powerpoint/2010/main" xmlns:a14="http://schemas.microsoft.com/office/drawing/2010/main" w="9525">
+                <a14:hiddenLine xmlns:a14="http://schemas.microsoft.com/office/drawing/2010/main" xmlns:p14="http://schemas.microsoft.com/office/powerpoint/2010/main" xmlns:a16="http://schemas.microsoft.com/office/drawing/2014/main" xmlns="" w="9525">
                   <a:solidFill>
                     <a:srgbClr val="000000"/>
                   </a:solidFill>
@@ -31063,7 +31223,7 @@
             </a:ln>
             <a:extLst>
               <a:ext uri="{91240B29-F687-4f45-9708-019B960494DF}">
-                <a14:hiddenLine xmlns="" xmlns:a16="http://schemas.microsoft.com/office/drawing/2014/main" xmlns:p14="http://schemas.microsoft.com/office/powerpoint/2010/main" xmlns:a14="http://schemas.microsoft.com/office/drawing/2010/main" w="9525">
+                <a14:hiddenLine xmlns:a14="http://schemas.microsoft.com/office/drawing/2010/main" xmlns:p14="http://schemas.microsoft.com/office/powerpoint/2010/main" xmlns:a16="http://schemas.microsoft.com/office/drawing/2014/main" xmlns="" w="9525">
                   <a:solidFill>
                     <a:srgbClr val="000000"/>
                   </a:solidFill>
@@ -31150,7 +31310,7 @@
             </a:ln>
             <a:extLst>
               <a:ext uri="{91240B29-F687-4f45-9708-019B960494DF}">
-                <a14:hiddenLine xmlns="" xmlns:a16="http://schemas.microsoft.com/office/drawing/2014/main" xmlns:p14="http://schemas.microsoft.com/office/powerpoint/2010/main" xmlns:a14="http://schemas.microsoft.com/office/drawing/2010/main" w="9525">
+                <a14:hiddenLine xmlns:a14="http://schemas.microsoft.com/office/drawing/2010/main" xmlns:p14="http://schemas.microsoft.com/office/powerpoint/2010/main" xmlns:a16="http://schemas.microsoft.com/office/drawing/2014/main" xmlns="" w="9525">
                   <a:solidFill>
                     <a:srgbClr val="000000"/>
                   </a:solidFill>
@@ -31234,7 +31394,7 @@
             </a:ln>
             <a:extLst>
               <a:ext uri="{91240B29-F687-4f45-9708-019B960494DF}">
-                <a14:hiddenLine xmlns="" xmlns:a16="http://schemas.microsoft.com/office/drawing/2014/main" xmlns:p14="http://schemas.microsoft.com/office/powerpoint/2010/main" xmlns:a14="http://schemas.microsoft.com/office/drawing/2010/main" w="9525">
+                <a14:hiddenLine xmlns:a14="http://schemas.microsoft.com/office/drawing/2010/main" xmlns:p14="http://schemas.microsoft.com/office/powerpoint/2010/main" xmlns:a16="http://schemas.microsoft.com/office/drawing/2014/main" xmlns="" w="9525">
                   <a:solidFill>
                     <a:srgbClr val="000000"/>
                   </a:solidFill>
@@ -31346,7 +31506,7 @@
             </a:ln>
             <a:extLst>
               <a:ext uri="{91240B29-F687-4f45-9708-019B960494DF}">
-                <a14:hiddenLine xmlns="" xmlns:a16="http://schemas.microsoft.com/office/drawing/2014/main" xmlns:p14="http://schemas.microsoft.com/office/powerpoint/2010/main" xmlns:a14="http://schemas.microsoft.com/office/drawing/2010/main" w="9525">
+                <a14:hiddenLine xmlns:a14="http://schemas.microsoft.com/office/drawing/2010/main" xmlns:p14="http://schemas.microsoft.com/office/powerpoint/2010/main" xmlns:a16="http://schemas.microsoft.com/office/drawing/2014/main" xmlns="" w="9525">
                   <a:solidFill>
                     <a:srgbClr val="000000"/>
                   </a:solidFill>
@@ -31458,7 +31618,7 @@
             </a:ln>
             <a:extLst>
               <a:ext uri="{91240B29-F687-4f45-9708-019B960494DF}">
-                <a14:hiddenLine xmlns="" xmlns:a16="http://schemas.microsoft.com/office/drawing/2014/main" xmlns:p14="http://schemas.microsoft.com/office/powerpoint/2010/main" xmlns:a14="http://schemas.microsoft.com/office/drawing/2010/main" w="9525">
+                <a14:hiddenLine xmlns:a14="http://schemas.microsoft.com/office/drawing/2010/main" xmlns:p14="http://schemas.microsoft.com/office/powerpoint/2010/main" xmlns:a16="http://schemas.microsoft.com/office/drawing/2014/main" xmlns="" w="9525">
                   <a:solidFill>
                     <a:srgbClr val="000000"/>
                   </a:solidFill>
@@ -31545,7 +31705,7 @@
             </a:ln>
             <a:extLst>
               <a:ext uri="{91240B29-F687-4f45-9708-019B960494DF}">
-                <a14:hiddenLine xmlns="" xmlns:a16="http://schemas.microsoft.com/office/drawing/2014/main" xmlns:p14="http://schemas.microsoft.com/office/powerpoint/2010/main" xmlns:a14="http://schemas.microsoft.com/office/drawing/2010/main" w="9525">
+                <a14:hiddenLine xmlns:a14="http://schemas.microsoft.com/office/drawing/2010/main" xmlns:p14="http://schemas.microsoft.com/office/powerpoint/2010/main" xmlns:a16="http://schemas.microsoft.com/office/drawing/2014/main" xmlns="" w="9525">
                   <a:solidFill>
                     <a:srgbClr val="000000"/>
                   </a:solidFill>
@@ -31687,7 +31847,7 @@
             </a:ln>
             <a:extLst>
               <a:ext uri="{91240B29-F687-4f45-9708-019B960494DF}">
-                <a14:hiddenLine xmlns="" xmlns:a16="http://schemas.microsoft.com/office/drawing/2014/main" xmlns:p14="http://schemas.microsoft.com/office/powerpoint/2010/main" xmlns:a14="http://schemas.microsoft.com/office/drawing/2010/main" w="9525">
+                <a14:hiddenLine xmlns:a14="http://schemas.microsoft.com/office/drawing/2010/main" xmlns:p14="http://schemas.microsoft.com/office/powerpoint/2010/main" xmlns:a16="http://schemas.microsoft.com/office/drawing/2014/main" xmlns="" w="9525">
                   <a:solidFill>
                     <a:srgbClr val="000000"/>
                   </a:solidFill>
